--- a/Présentation Web Server.pptx
+++ b/Présentation Web Server.pptx
@@ -10,8 +10,8 @@
     <p:sldId id="258" r:id="rId4"/>
     <p:sldId id="259" r:id="rId5"/>
     <p:sldId id="260" r:id="rId6"/>
-    <p:sldId id="261" r:id="rId7"/>
-    <p:sldId id="262" r:id="rId8"/>
+    <p:sldId id="262" r:id="rId7"/>
+    <p:sldId id="261" r:id="rId8"/>
   </p:sldIdLst>
   <p:sldSz cx="12192000" cy="6858000"/>
   <p:notesSz cx="6858000" cy="9144000"/>
@@ -110,6 +110,11 @@
       </a:defRPr>
     </a:lvl9pPr>
   </p:defaultTextStyle>
+  <p:extLst>
+    <p:ext uri="{EFAFB233-063F-42B5-8137-9DF3F51BA10A}">
+      <p15:sldGuideLst xmlns:p15="http://schemas.microsoft.com/office/powerpoint/2012/main"/>
+    </p:ext>
+  </p:extLst>
 </p:presentation>
 </file>
 
@@ -298,7 +303,7 @@
           <a:p>
             <a:fld id="{5E7AA473-D82F-4EFF-9DF7-AE6D83C51288}" type="datetime1">
               <a:rPr lang="en-US" smtClean="0"/>
-              <a:t>4/20/2022</a:t>
+              <a:t>5/6/2022</a:t>
             </a:fld>
             <a:endParaRPr lang="en-US"/>
           </a:p>
@@ -552,7 +557,7 @@
           <a:p>
             <a:fld id="{1E12F1F0-FE2D-4C1C-B320-8CB9BE735F0F}" type="datetime1">
               <a:rPr lang="en-US" smtClean="0"/>
-              <a:t>4/20/2022</a:t>
+              <a:t>5/6/2022</a:t>
             </a:fld>
             <a:endParaRPr lang="en-US"/>
           </a:p>
@@ -820,7 +825,7 @@
           <a:p>
             <a:fld id="{2CF1B96C-10FD-4EBC-9029-9652B7535D02}" type="datetime1">
               <a:rPr lang="en-US" smtClean="0"/>
-              <a:t>4/20/2022</a:t>
+              <a:t>5/6/2022</a:t>
             </a:fld>
             <a:endParaRPr lang="en-US"/>
           </a:p>
@@ -1074,7 +1079,7 @@
           <a:p>
             <a:fld id="{14878474-CC00-4A95-9D50-A41C12D1EEC4}" type="datetime1">
               <a:rPr lang="en-US" smtClean="0"/>
-              <a:t>4/20/2022</a:t>
+              <a:t>5/6/2022</a:t>
             </a:fld>
             <a:endParaRPr lang="en-US"/>
           </a:p>
@@ -1352,7 +1357,7 @@
           <a:p>
             <a:fld id="{7F38C8B4-7FBB-408F-BDB9-F0496874AFB2}" type="datetime1">
               <a:rPr lang="en-US" smtClean="0"/>
-              <a:t>4/20/2022</a:t>
+              <a:t>5/6/2022</a:t>
             </a:fld>
             <a:endParaRPr lang="en-US"/>
           </a:p>
@@ -1624,7 +1629,7 @@
           <a:p>
             <a:fld id="{2BB8EE20-A5E2-47D3-8F6D-A2BA7AB2E093}" type="datetime1">
               <a:rPr lang="en-US" smtClean="0"/>
-              <a:t>4/20/2022</a:t>
+              <a:t>5/6/2022</a:t>
             </a:fld>
             <a:endParaRPr lang="en-US"/>
           </a:p>
@@ -2182,7 +2187,7 @@
           <a:p>
             <a:fld id="{3382CF99-132F-413F-B7EF-71A5C33F2ED6}" type="datetime1">
               <a:rPr lang="en-US" smtClean="0"/>
-              <a:t>4/20/2022</a:t>
+              <a:t>5/6/2022</a:t>
             </a:fld>
             <a:endParaRPr lang="en-US"/>
           </a:p>
@@ -2324,7 +2329,7 @@
           <a:p>
             <a:fld id="{1F17AE06-98E0-4D9F-A059-92C3548821BB}" type="datetime1">
               <a:rPr lang="en-US" smtClean="0"/>
-              <a:t>4/20/2022</a:t>
+              <a:t>5/6/2022</a:t>
             </a:fld>
             <a:endParaRPr lang="en-US"/>
           </a:p>
@@ -2437,7 +2442,7 @@
           <a:p>
             <a:fld id="{FFBA00CA-3DDC-4705-B840-978EF5EA0707}" type="datetime1">
               <a:rPr lang="en-US" smtClean="0"/>
-              <a:t>4/20/2022</a:t>
+              <a:t>5/6/2022</a:t>
             </a:fld>
             <a:endParaRPr lang="en-US"/>
           </a:p>
@@ -2756,7 +2761,7 @@
           <a:p>
             <a:fld id="{FC366D49-0BBA-4C5A-AD96-6448CA63451A}" type="datetime1">
               <a:rPr lang="en-US" smtClean="0"/>
-              <a:t>4/20/2022</a:t>
+              <a:t>5/6/2022</a:t>
             </a:fld>
             <a:endParaRPr lang="en-US"/>
           </a:p>
@@ -3053,7 +3058,7 @@
           <a:p>
             <a:fld id="{4F4EB293-A316-472D-A8B4-6947CF1A12B7}" type="datetime1">
               <a:rPr lang="en-US" smtClean="0"/>
-              <a:t>4/20/2022</a:t>
+              <a:t>5/6/2022</a:t>
             </a:fld>
             <a:endParaRPr lang="en-US"/>
           </a:p>
@@ -3332,7 +3337,7 @@
           <a:p>
             <a:fld id="{734BCCD4-CEB1-405B-A443-DD9CBCBEA552}" type="datetime1">
               <a:rPr lang="en-US" smtClean="0"/>
-              <a:t>4/20/2022</a:t>
+              <a:t>5/6/2022</a:t>
             </a:fld>
             <a:endParaRPr lang="en-US"/>
           </a:p>
@@ -4065,8 +4070,8 @@
           </a:p>
         </p:txBody>
       </p:sp>
-      <mc:AlternateContent xmlns:mc="http://schemas.openxmlformats.org/markup-compatibility/2006">
-        <mc:Choice xmlns:p14="http://schemas.microsoft.com/office/powerpoint/2010/main" Requires="p14">
+      <mc:AlternateContent xmlns:mc="http://schemas.openxmlformats.org/markup-compatibility/2006" xmlns:p14="http://schemas.microsoft.com/office/powerpoint/2010/main">
+        <mc:Choice Requires="p14">
           <p:contentPart p14:bwMode="auto" r:id="rId3">
             <p14:nvContentPartPr>
               <p14:cNvPr id="6" name="Encre 5">
@@ -4085,7 +4090,7 @@
             </p14:xfrm>
           </p:contentPart>
         </mc:Choice>
-        <mc:Fallback>
+        <mc:Fallback xmlns="">
           <p:pic>
             <p:nvPicPr>
               <p:cNvPr id="6" name="Encre 5">
@@ -5004,10 +5009,10 @@
       </p:pic>
       <p:pic>
         <p:nvPicPr>
-          <p:cNvPr id="11" name="Image 10">
-            <a:extLst>
-              <a:ext uri="{FF2B5EF4-FFF2-40B4-BE49-F238E27FC236}">
-                <a16:creationId xmlns:a16="http://schemas.microsoft.com/office/drawing/2014/main" id="{70F05F92-82B8-413C-8E8B-EEAE3C8D6DB9}"/>
+          <p:cNvPr id="12" name="Image 11">
+            <a:extLst>
+              <a:ext uri="{FF2B5EF4-FFF2-40B4-BE49-F238E27FC236}">
+                <a16:creationId xmlns:a16="http://schemas.microsoft.com/office/drawing/2014/main" id="{A062D22D-E34D-4243-8026-5ECB33066EA7}"/>
               </a:ext>
             </a:extLst>
           </p:cNvPr>
@@ -5030,42 +5035,6 @@
         </p:blipFill>
         <p:spPr>
           <a:xfrm>
-            <a:off x="9891789" y="4623362"/>
-            <a:ext cx="509483" cy="407586"/>
-          </a:xfrm>
-          <a:prstGeom prst="rect">
-            <a:avLst/>
-          </a:prstGeom>
-        </p:spPr>
-      </p:pic>
-      <p:pic>
-        <p:nvPicPr>
-          <p:cNvPr id="12" name="Image 11">
-            <a:extLst>
-              <a:ext uri="{FF2B5EF4-FFF2-40B4-BE49-F238E27FC236}">
-                <a16:creationId xmlns:a16="http://schemas.microsoft.com/office/drawing/2014/main" id="{A062D22D-E34D-4243-8026-5ECB33066EA7}"/>
-              </a:ext>
-            </a:extLst>
-          </p:cNvPr>
-          <p:cNvPicPr>
-            <a:picLocks noChangeAspect="1"/>
-          </p:cNvPicPr>
-          <p:nvPr/>
-        </p:nvPicPr>
-        <p:blipFill>
-          <a:blip r:embed="rId5">
-            <a:extLst>
-              <a:ext uri="{28A0092B-C50C-407E-A947-70E740481C1C}">
-                <a14:useLocalDpi xmlns:a14="http://schemas.microsoft.com/office/drawing/2010/main" val="0"/>
-              </a:ext>
-            </a:extLst>
-          </a:blip>
-          <a:stretch>
-            <a:fillRect/>
-          </a:stretch>
-        </p:blipFill>
-        <p:spPr>
-          <a:xfrm>
             <a:off x="9974750" y="2408151"/>
             <a:ext cx="343560" cy="392640"/>
           </a:xfrm>
@@ -5089,7 +5058,7 @@
           <p:nvPr/>
         </p:nvPicPr>
         <p:blipFill>
-          <a:blip r:embed="rId6">
+          <a:blip r:embed="rId5">
             <a:extLst>
               <a:ext uri="{28A0092B-C50C-407E-A947-70E740481C1C}">
                 <a14:useLocalDpi xmlns:a14="http://schemas.microsoft.com/office/drawing/2010/main" val="0"/>
@@ -5119,6 +5088,42 @@
               </a14:hiddenFill>
             </a:ext>
           </a:extLst>
+        </p:spPr>
+      </p:pic>
+      <p:pic>
+        <p:nvPicPr>
+          <p:cNvPr id="13" name="Image 12">
+            <a:extLst>
+              <a:ext uri="{FF2B5EF4-FFF2-40B4-BE49-F238E27FC236}">
+                <a16:creationId xmlns:a16="http://schemas.microsoft.com/office/drawing/2014/main" id="{34549901-7AB9-D06C-6272-E08E54B0E449}"/>
+              </a:ext>
+            </a:extLst>
+          </p:cNvPr>
+          <p:cNvPicPr>
+            <a:picLocks noChangeAspect="1"/>
+          </p:cNvPicPr>
+          <p:nvPr/>
+        </p:nvPicPr>
+        <p:blipFill>
+          <a:blip r:embed="rId6">
+            <a:extLst>
+              <a:ext uri="{28A0092B-C50C-407E-A947-70E740481C1C}">
+                <a14:useLocalDpi xmlns:a14="http://schemas.microsoft.com/office/drawing/2010/main" val="0"/>
+              </a:ext>
+            </a:extLst>
+          </a:blip>
+          <a:stretch>
+            <a:fillRect/>
+          </a:stretch>
+        </p:blipFill>
+        <p:spPr>
+          <a:xfrm>
+            <a:off x="10045816" y="4592724"/>
+            <a:ext cx="425450" cy="425450"/>
+          </a:xfrm>
+          <a:prstGeom prst="rect">
+            <a:avLst/>
+          </a:prstGeom>
         </p:spPr>
       </p:pic>
     </p:spTree>
@@ -5665,7 +5670,7 @@
         <p:spPr>
           <a:xfrm>
             <a:off x="8206310" y="3744649"/>
-            <a:ext cx="1547503" cy="369332"/>
+            <a:ext cx="1960039" cy="369332"/>
           </a:xfrm>
           <a:prstGeom prst="rect">
             <a:avLst/>
@@ -6216,6 +6221,147 @@
           </a:fontRef>
         </p:style>
       </p:cxnSp>
+      <p:pic>
+        <p:nvPicPr>
+          <p:cNvPr id="2050" name="Picture 2" descr="XBee – antenne filaire S1 2.4Ghz 1mW, module de transmission de données  sans fil 100M | AliExpress">
+            <a:extLst>
+              <a:ext uri="{FF2B5EF4-FFF2-40B4-BE49-F238E27FC236}">
+                <a16:creationId xmlns:a16="http://schemas.microsoft.com/office/drawing/2014/main" id="{61D8ED0B-7A2C-04CD-6BBB-CD8EF1BBD04F}"/>
+              </a:ext>
+            </a:extLst>
+          </p:cNvPr>
+          <p:cNvPicPr>
+            <a:picLocks noChangeAspect="1" noChangeArrowheads="1"/>
+          </p:cNvPicPr>
+          <p:nvPr/>
+        </p:nvPicPr>
+        <p:blipFill>
+          <a:blip r:embed="rId2">
+            <a:extLst>
+              <a:ext uri="{28A0092B-C50C-407E-A947-70E740481C1C}">
+                <a14:useLocalDpi xmlns:a14="http://schemas.microsoft.com/office/drawing/2010/main" val="0"/>
+              </a:ext>
+            </a:extLst>
+          </a:blip>
+          <a:srcRect/>
+          <a:stretch>
+            <a:fillRect/>
+          </a:stretch>
+        </p:blipFill>
+        <p:spPr bwMode="auto">
+          <a:xfrm>
+            <a:off x="4913335" y="2055854"/>
+            <a:ext cx="1314450" cy="1314450"/>
+          </a:xfrm>
+          <a:prstGeom prst="rect">
+            <a:avLst/>
+          </a:prstGeom>
+          <a:noFill/>
+          <a:extLst>
+            <a:ext uri="{909E8E84-426E-40DD-AFC4-6F175D3DCCD1}">
+              <a14:hiddenFill xmlns:a14="http://schemas.microsoft.com/office/drawing/2010/main">
+                <a:solidFill>
+                  <a:srgbClr val="FFFFFF"/>
+                </a:solidFill>
+              </a14:hiddenFill>
+            </a:ext>
+          </a:extLst>
+        </p:spPr>
+      </p:pic>
+      <p:pic>
+        <p:nvPicPr>
+          <p:cNvPr id="2052" name="Picture 4" descr="DHT11 - Capteur de temperature et humidite digital - Boutique Semageek">
+            <a:extLst>
+              <a:ext uri="{FF2B5EF4-FFF2-40B4-BE49-F238E27FC236}">
+                <a16:creationId xmlns:a16="http://schemas.microsoft.com/office/drawing/2014/main" id="{1ABA36DE-80CF-B19C-EDA5-5A1B292E049A}"/>
+              </a:ext>
+            </a:extLst>
+          </p:cNvPr>
+          <p:cNvPicPr>
+            <a:picLocks noChangeAspect="1" noChangeArrowheads="1"/>
+          </p:cNvPicPr>
+          <p:nvPr/>
+        </p:nvPicPr>
+        <p:blipFill>
+          <a:blip r:embed="rId3">
+            <a:extLst>
+              <a:ext uri="{28A0092B-C50C-407E-A947-70E740481C1C}">
+                <a14:useLocalDpi xmlns:a14="http://schemas.microsoft.com/office/drawing/2010/main" val="0"/>
+              </a:ext>
+            </a:extLst>
+          </a:blip>
+          <a:srcRect/>
+          <a:stretch>
+            <a:fillRect/>
+          </a:stretch>
+        </p:blipFill>
+        <p:spPr bwMode="auto">
+          <a:xfrm>
+            <a:off x="3556772" y="5157924"/>
+            <a:ext cx="908050" cy="908050"/>
+          </a:xfrm>
+          <a:prstGeom prst="rect">
+            <a:avLst/>
+          </a:prstGeom>
+          <a:noFill/>
+          <a:extLst>
+            <a:ext uri="{909E8E84-426E-40DD-AFC4-6F175D3DCCD1}">
+              <a14:hiddenFill xmlns:a14="http://schemas.microsoft.com/office/drawing/2010/main">
+                <a:solidFill>
+                  <a:srgbClr val="FFFFFF"/>
+                </a:solidFill>
+              </a14:hiddenFill>
+            </a:ext>
+          </a:extLst>
+        </p:spPr>
+      </p:pic>
+      <p:pic>
+        <p:nvPicPr>
+          <p:cNvPr id="2054" name="Picture 6" descr="Ethernet Shield 2 A000024 Arduino - Shields Ethernet | GO TRONIC">
+            <a:extLst>
+              <a:ext uri="{FF2B5EF4-FFF2-40B4-BE49-F238E27FC236}">
+                <a16:creationId xmlns:a16="http://schemas.microsoft.com/office/drawing/2014/main" id="{46CEE96D-997A-0200-5ADF-2FA424C2BB07}"/>
+              </a:ext>
+            </a:extLst>
+          </p:cNvPr>
+          <p:cNvPicPr>
+            <a:picLocks noChangeAspect="1" noChangeArrowheads="1"/>
+          </p:cNvPicPr>
+          <p:nvPr/>
+        </p:nvPicPr>
+        <p:blipFill>
+          <a:blip r:embed="rId4">
+            <a:extLst>
+              <a:ext uri="{28A0092B-C50C-407E-A947-70E740481C1C}">
+                <a14:useLocalDpi xmlns:a14="http://schemas.microsoft.com/office/drawing/2010/main" val="0"/>
+              </a:ext>
+            </a:extLst>
+          </a:blip>
+          <a:srcRect/>
+          <a:stretch>
+            <a:fillRect/>
+          </a:stretch>
+        </p:blipFill>
+        <p:spPr bwMode="auto">
+          <a:xfrm>
+            <a:off x="10100807" y="1045604"/>
+            <a:ext cx="1767446" cy="1767446"/>
+          </a:xfrm>
+          <a:prstGeom prst="rect">
+            <a:avLst/>
+          </a:prstGeom>
+          <a:noFill/>
+          <a:extLst>
+            <a:ext uri="{909E8E84-426E-40DD-AFC4-6F175D3DCCD1}">
+              <a14:hiddenFill xmlns:a14="http://schemas.microsoft.com/office/drawing/2010/main">
+                <a:solidFill>
+                  <a:srgbClr val="FFFFFF"/>
+                </a:solidFill>
+              </a14:hiddenFill>
+            </a:ext>
+          </a:extLst>
+        </p:spPr>
+      </p:pic>
     </p:spTree>
     <p:extLst>
       <p:ext uri="{BB962C8B-B14F-4D97-AF65-F5344CB8AC3E}">
@@ -6264,7 +6410,7 @@
         </p:nvSpPr>
         <p:spPr>
           <a:xfrm>
-            <a:off x="517870" y="978408"/>
+            <a:off x="536920" y="665306"/>
             <a:ext cx="5021182" cy="1043823"/>
           </a:xfrm>
         </p:spPr>
@@ -6281,93 +6427,10 @@
       </p:sp>
       <p:sp>
         <p:nvSpPr>
-          <p:cNvPr id="3" name="Espace réservé du contenu 2">
-            <a:extLst>
-              <a:ext uri="{FF2B5EF4-FFF2-40B4-BE49-F238E27FC236}">
-                <a16:creationId xmlns:a16="http://schemas.microsoft.com/office/drawing/2014/main" id="{366D526C-E752-4367-86C7-E41A93F556D9}"/>
-              </a:ext>
-            </a:extLst>
-          </p:cNvPr>
-          <p:cNvSpPr>
-            <a:spLocks noGrp="1"/>
-          </p:cNvSpPr>
-          <p:nvPr>
-            <p:ph idx="1"/>
-          </p:nvPr>
-        </p:nvSpPr>
-        <p:spPr/>
-        <p:txBody>
-          <a:bodyPr/>
-          <a:lstStyle/>
-          <a:p>
-            <a:endParaRPr lang="fr-FR" dirty="0"/>
-          </a:p>
-        </p:txBody>
-      </p:sp>
-    </p:spTree>
-    <p:extLst>
-      <p:ext uri="{BB962C8B-B14F-4D97-AF65-F5344CB8AC3E}">
-        <p14:creationId xmlns:p14="http://schemas.microsoft.com/office/powerpoint/2010/main" val="1036254334"/>
-      </p:ext>
-    </p:extLst>
-  </p:cSld>
-  <p:clrMapOvr>
-    <a:masterClrMapping/>
-  </p:clrMapOvr>
-</p:sld>
-</file>
-
-<file path=ppt/slides/slide5.xml><?xml version="1.0" encoding="utf-8"?>
-<p:sld xmlns:a="http://schemas.openxmlformats.org/drawingml/2006/main" xmlns:r="http://schemas.openxmlformats.org/officeDocument/2006/relationships" xmlns:p="http://schemas.openxmlformats.org/presentationml/2006/main">
-  <p:cSld>
-    <p:spTree>
-      <p:nvGrpSpPr>
-        <p:cNvPr id="1" name=""/>
-        <p:cNvGrpSpPr/>
-        <p:nvPr/>
-      </p:nvGrpSpPr>
-      <p:grpSpPr>
-        <a:xfrm>
-          <a:off x="0" y="0"/>
-          <a:ext cx="0" cy="0"/>
-          <a:chOff x="0" y="0"/>
-          <a:chExt cx="0" cy="0"/>
-        </a:xfrm>
-      </p:grpSpPr>
-      <p:sp>
-        <p:nvSpPr>
-          <p:cNvPr id="2" name="Titre 1">
-            <a:extLst>
-              <a:ext uri="{FF2B5EF4-FFF2-40B4-BE49-F238E27FC236}">
-                <a16:creationId xmlns:a16="http://schemas.microsoft.com/office/drawing/2014/main" id="{1574F7AB-EF7C-4C43-AACB-3FD5A1356D0F}"/>
-              </a:ext>
-            </a:extLst>
-          </p:cNvPr>
-          <p:cNvSpPr>
-            <a:spLocks noGrp="1"/>
-          </p:cNvSpPr>
-          <p:nvPr>
-            <p:ph type="title"/>
-          </p:nvPr>
-        </p:nvSpPr>
-        <p:spPr/>
-        <p:txBody>
-          <a:bodyPr/>
-          <a:lstStyle/>
-          <a:p>
-            <a:r>
-              <a:rPr lang="fr-FR" dirty="0"/>
-              <a:t>Centrale</a:t>
-            </a:r>
-          </a:p>
-        </p:txBody>
-      </p:sp>
-      <p:sp>
-        <p:nvSpPr>
-          <p:cNvPr id="4" name="Rectangle : coins arrondis 3">
-            <a:extLst>
-              <a:ext uri="{FF2B5EF4-FFF2-40B4-BE49-F238E27FC236}">
-                <a16:creationId xmlns:a16="http://schemas.microsoft.com/office/drawing/2014/main" id="{1CAEA6A6-1DB5-42AA-967D-3D491017D5C6}"/>
+          <p:cNvPr id="18" name="Rectangle : coins arrondis 17">
+            <a:extLst>
+              <a:ext uri="{FF2B5EF4-FFF2-40B4-BE49-F238E27FC236}">
+                <a16:creationId xmlns:a16="http://schemas.microsoft.com/office/drawing/2014/main" id="{0688CF52-43F4-3DFA-7A02-D36427240072}"/>
               </a:ext>
             </a:extLst>
           </p:cNvPr>
@@ -6454,10 +6517,10 @@
       </p:sp>
       <p:sp>
         <p:nvSpPr>
-          <p:cNvPr id="7" name="Rectangle : coins arrondis 6">
-            <a:extLst>
-              <a:ext uri="{FF2B5EF4-FFF2-40B4-BE49-F238E27FC236}">
-                <a16:creationId xmlns:a16="http://schemas.microsoft.com/office/drawing/2014/main" id="{9CF6DC22-4A4E-4643-8A12-ABC94B381D12}"/>
+          <p:cNvPr id="19" name="Rectangle : coins arrondis 18">
+            <a:extLst>
+              <a:ext uri="{FF2B5EF4-FFF2-40B4-BE49-F238E27FC236}">
+                <a16:creationId xmlns:a16="http://schemas.microsoft.com/office/drawing/2014/main" id="{ED3315AC-402C-2F4E-F1FA-F240A74ACD1A}"/>
               </a:ext>
             </a:extLst>
           </p:cNvPr>
@@ -6544,10 +6607,10 @@
       </p:sp>
       <p:sp>
         <p:nvSpPr>
-          <p:cNvPr id="8" name="Rectangle : coins arrondis 7">
-            <a:extLst>
-              <a:ext uri="{FF2B5EF4-FFF2-40B4-BE49-F238E27FC236}">
-                <a16:creationId xmlns:a16="http://schemas.microsoft.com/office/drawing/2014/main" id="{65688323-15C8-4DC7-A2A9-678097788C97}"/>
+          <p:cNvPr id="20" name="Rectangle : coins arrondis 19">
+            <a:extLst>
+              <a:ext uri="{FF2B5EF4-FFF2-40B4-BE49-F238E27FC236}">
+                <a16:creationId xmlns:a16="http://schemas.microsoft.com/office/drawing/2014/main" id="{B1975DC8-D573-C961-D05A-11F4FA9CBDBD}"/>
               </a:ext>
             </a:extLst>
           </p:cNvPr>
@@ -6634,10 +6697,10 @@
       </p:sp>
       <p:sp>
         <p:nvSpPr>
-          <p:cNvPr id="9" name="Rectangle : coins arrondis 8">
-            <a:extLst>
-              <a:ext uri="{FF2B5EF4-FFF2-40B4-BE49-F238E27FC236}">
-                <a16:creationId xmlns:a16="http://schemas.microsoft.com/office/drawing/2014/main" id="{DD48965F-1F64-406C-8A23-DD121E23B7B1}"/>
+          <p:cNvPr id="21" name="Rectangle : coins arrondis 20">
+            <a:extLst>
+              <a:ext uri="{FF2B5EF4-FFF2-40B4-BE49-F238E27FC236}">
+                <a16:creationId xmlns:a16="http://schemas.microsoft.com/office/drawing/2014/main" id="{B24A6772-9C0E-1A33-BA57-C75EB21D4BBD}"/>
               </a:ext>
             </a:extLst>
           </p:cNvPr>
@@ -6724,6 +6787,1146 @@
       </p:sp>
       <p:sp>
         <p:nvSpPr>
+          <p:cNvPr id="22" name="ZoneTexte 21">
+            <a:extLst>
+              <a:ext uri="{FF2B5EF4-FFF2-40B4-BE49-F238E27FC236}">
+                <a16:creationId xmlns:a16="http://schemas.microsoft.com/office/drawing/2014/main" id="{F09DA79C-07CC-4AA3-2072-14DF8FB5DC60}"/>
+              </a:ext>
+            </a:extLst>
+          </p:cNvPr>
+          <p:cNvSpPr txBox="1"/>
+          <p:nvPr/>
+        </p:nvSpPr>
+        <p:spPr>
+          <a:xfrm>
+            <a:off x="7004418" y="1077099"/>
+            <a:ext cx="2860551" cy="4673074"/>
+          </a:xfrm>
+          <a:prstGeom prst="rect">
+            <a:avLst/>
+          </a:prstGeom>
+          <a:noFill/>
+          <a:ln w="12700" cap="flat">
+            <a:noFill/>
+            <a:miter lim="400000"/>
+          </a:ln>
+          <a:effectLst/>
+          <a:sp3d/>
+        </p:spPr>
+        <p:style>
+          <a:lnRef idx="0">
+            <a:scrgbClr r="0" g="0" b="0"/>
+          </a:lnRef>
+          <a:fillRef idx="0">
+            <a:scrgbClr r="0" g="0" b="0"/>
+          </a:fillRef>
+          <a:effectRef idx="0">
+            <a:scrgbClr r="0" g="0" b="0"/>
+          </a:effectRef>
+          <a:fontRef idx="none"/>
+        </p:style>
+        <p:txBody>
+          <a:bodyPr rot="0" spcFirstLastPara="1" vertOverflow="overflow" horzOverflow="overflow" vert="horz" wrap="square" lIns="50800" tIns="50800" rIns="50800" bIns="50800" numCol="1" spcCol="38100" rtlCol="0" anchor="ctr">
+            <a:spAutoFit/>
+          </a:bodyPr>
+          <a:lstStyle/>
+          <a:p>
+            <a:pPr marR="0" defTabSz="584200" rtl="0" fontAlgn="auto" latinLnBrk="0" hangingPunct="0">
+              <a:lnSpc>
+                <a:spcPct val="200000"/>
+              </a:lnSpc>
+              <a:spcBef>
+                <a:spcPts val="0"/>
+              </a:spcBef>
+              <a:spcAft>
+                <a:spcPts val="0"/>
+              </a:spcAft>
+              <a:buClrTx/>
+              <a:buSzTx/>
+              <a:tabLst/>
+            </a:pPr>
+            <a:r>
+              <a:rPr kumimoji="0" lang="fr-FR" b="0" i="0" u="none" strike="noStrike" cap="none" spc="0" normalizeH="0" baseline="0" dirty="0">
+                <a:ln>
+                  <a:noFill/>
+                </a:ln>
+                <a:solidFill>
+                  <a:srgbClr val="000000"/>
+                </a:solidFill>
+                <a:effectLst/>
+                <a:uFillTx/>
+                <a:latin typeface="Calibri" panose="020F0502020204030204" pitchFamily="34" charset="0"/>
+                <a:cs typeface="Calibri" panose="020F0502020204030204" pitchFamily="34" charset="0"/>
+                <a:sym typeface="Helvetica Neue"/>
+              </a:rPr>
+              <a:t>Collecte des données</a:t>
+            </a:r>
+          </a:p>
+          <a:p>
+            <a:pPr marR="0" defTabSz="584200" rtl="0" fontAlgn="auto" latinLnBrk="0" hangingPunct="0">
+              <a:lnSpc>
+                <a:spcPct val="200000"/>
+              </a:lnSpc>
+              <a:spcBef>
+                <a:spcPts val="0"/>
+              </a:spcBef>
+              <a:spcAft>
+                <a:spcPts val="0"/>
+              </a:spcAft>
+              <a:buClrTx/>
+              <a:buSzTx/>
+              <a:tabLst/>
+            </a:pPr>
+            <a:endParaRPr kumimoji="0" lang="fr-FR" b="0" i="0" u="none" strike="noStrike" cap="none" spc="0" normalizeH="0" baseline="0" dirty="0">
+              <a:ln>
+                <a:noFill/>
+              </a:ln>
+              <a:solidFill>
+                <a:srgbClr val="000000"/>
+              </a:solidFill>
+              <a:effectLst/>
+              <a:uFillTx/>
+              <a:latin typeface="Calibri" panose="020F0502020204030204" pitchFamily="34" charset="0"/>
+              <a:cs typeface="Calibri" panose="020F0502020204030204" pitchFamily="34" charset="0"/>
+              <a:sym typeface="Helvetica Neue"/>
+            </a:endParaRPr>
+          </a:p>
+          <a:p>
+            <a:pPr marR="0" defTabSz="584200" rtl="0" fontAlgn="auto" latinLnBrk="0" hangingPunct="0">
+              <a:lnSpc>
+                <a:spcPct val="200000"/>
+              </a:lnSpc>
+              <a:spcBef>
+                <a:spcPts val="0"/>
+              </a:spcBef>
+              <a:spcAft>
+                <a:spcPts val="0"/>
+              </a:spcAft>
+              <a:buClrTx/>
+              <a:buSzTx/>
+              <a:tabLst/>
+            </a:pPr>
+            <a:r>
+              <a:rPr lang="fr-FR" dirty="0">
+                <a:solidFill>
+                  <a:srgbClr val="000000"/>
+                </a:solidFill>
+                <a:latin typeface="Calibri" panose="020F0502020204030204" pitchFamily="34" charset="0"/>
+                <a:cs typeface="Calibri" panose="020F0502020204030204" pitchFamily="34" charset="0"/>
+                <a:sym typeface="Helvetica Neue"/>
+              </a:rPr>
+              <a:t>Capteurs sur dispositifs</a:t>
+            </a:r>
+          </a:p>
+          <a:p>
+            <a:pPr marR="0" defTabSz="584200" rtl="0" fontAlgn="auto" latinLnBrk="0" hangingPunct="0">
+              <a:lnSpc>
+                <a:spcPct val="200000"/>
+              </a:lnSpc>
+              <a:spcBef>
+                <a:spcPts val="0"/>
+              </a:spcBef>
+              <a:spcAft>
+                <a:spcPts val="0"/>
+              </a:spcAft>
+              <a:buClrTx/>
+              <a:buSzTx/>
+              <a:tabLst/>
+            </a:pPr>
+            <a:endParaRPr lang="fr-FR" dirty="0">
+              <a:solidFill>
+                <a:srgbClr val="000000"/>
+              </a:solidFill>
+              <a:latin typeface="Calibri" panose="020F0502020204030204" pitchFamily="34" charset="0"/>
+              <a:cs typeface="Calibri" panose="020F0502020204030204" pitchFamily="34" charset="0"/>
+              <a:sym typeface="Helvetica Neue"/>
+            </a:endParaRPr>
+          </a:p>
+          <a:p>
+            <a:pPr marR="0" defTabSz="584200" rtl="0" fontAlgn="auto" latinLnBrk="0" hangingPunct="0">
+              <a:lnSpc>
+                <a:spcPct val="200000"/>
+              </a:lnSpc>
+              <a:spcBef>
+                <a:spcPts val="0"/>
+              </a:spcBef>
+              <a:spcAft>
+                <a:spcPts val="0"/>
+              </a:spcAft>
+              <a:buClrTx/>
+              <a:buSzTx/>
+              <a:tabLst/>
+            </a:pPr>
+            <a:r>
+              <a:rPr lang="fr-FR" dirty="0">
+                <a:solidFill>
+                  <a:srgbClr val="000000"/>
+                </a:solidFill>
+                <a:latin typeface="Calibri" panose="020F0502020204030204" pitchFamily="34" charset="0"/>
+                <a:cs typeface="Calibri" panose="020F0502020204030204" pitchFamily="34" charset="0"/>
+                <a:sym typeface="Helvetica Neue"/>
+              </a:rPr>
+              <a:t>Envoi des données</a:t>
+            </a:r>
+          </a:p>
+          <a:p>
+            <a:pPr marR="0" defTabSz="584200" rtl="0" fontAlgn="auto" latinLnBrk="0" hangingPunct="0">
+              <a:lnSpc>
+                <a:spcPct val="200000"/>
+              </a:lnSpc>
+              <a:spcBef>
+                <a:spcPts val="0"/>
+              </a:spcBef>
+              <a:spcAft>
+                <a:spcPts val="0"/>
+              </a:spcAft>
+              <a:buClrTx/>
+              <a:buSzTx/>
+              <a:tabLst/>
+            </a:pPr>
+            <a:endParaRPr lang="fr-FR" dirty="0">
+              <a:solidFill>
+                <a:srgbClr val="000000"/>
+              </a:solidFill>
+              <a:latin typeface="Calibri" panose="020F0502020204030204" pitchFamily="34" charset="0"/>
+              <a:cs typeface="Calibri" panose="020F0502020204030204" pitchFamily="34" charset="0"/>
+              <a:sym typeface="Helvetica Neue"/>
+            </a:endParaRPr>
+          </a:p>
+          <a:p>
+            <a:pPr defTabSz="584200" hangingPunct="0">
+              <a:lnSpc>
+                <a:spcPct val="200000"/>
+              </a:lnSpc>
+            </a:pPr>
+            <a:r>
+              <a:rPr lang="fr-FR" dirty="0">
+                <a:solidFill>
+                  <a:srgbClr val="000000"/>
+                </a:solidFill>
+                <a:latin typeface="Calibri" panose="020F0502020204030204" pitchFamily="34" charset="0"/>
+                <a:cs typeface="Calibri" panose="020F0502020204030204" pitchFamily="34" charset="0"/>
+                <a:sym typeface="Helvetica Neue"/>
+              </a:rPr>
+              <a:t>Communication </a:t>
+            </a:r>
+            <a:r>
+              <a:rPr lang="fr-FR" dirty="0" err="1">
+                <a:solidFill>
+                  <a:srgbClr val="000000"/>
+                </a:solidFill>
+                <a:latin typeface="Calibri" panose="020F0502020204030204" pitchFamily="34" charset="0"/>
+                <a:cs typeface="Calibri" panose="020F0502020204030204" pitchFamily="34" charset="0"/>
+                <a:sym typeface="Helvetica Neue"/>
+              </a:rPr>
+              <a:t>Xbee</a:t>
+            </a:r>
+            <a:endParaRPr lang="fr-FR" dirty="0">
+              <a:solidFill>
+                <a:srgbClr val="000000"/>
+              </a:solidFill>
+              <a:latin typeface="Calibri" panose="020F0502020204030204" pitchFamily="34" charset="0"/>
+              <a:cs typeface="Calibri" panose="020F0502020204030204" pitchFamily="34" charset="0"/>
+              <a:sym typeface="Helvetica Neue"/>
+            </a:endParaRPr>
+          </a:p>
+          <a:p>
+            <a:pPr marL="0" marR="0" indent="0" defTabSz="584200" rtl="0" fontAlgn="auto" latinLnBrk="0" hangingPunct="0">
+              <a:lnSpc>
+                <a:spcPct val="250000"/>
+              </a:lnSpc>
+              <a:spcBef>
+                <a:spcPts val="0"/>
+              </a:spcBef>
+              <a:spcAft>
+                <a:spcPts val="0"/>
+              </a:spcAft>
+              <a:buClrTx/>
+              <a:buSzTx/>
+              <a:buFontTx/>
+              <a:buNone/>
+              <a:tabLst/>
+            </a:pPr>
+            <a:endParaRPr kumimoji="0" lang="fr-FR" b="0" i="0" u="none" strike="noStrike" cap="none" spc="0" normalizeH="0" baseline="0" dirty="0">
+              <a:ln>
+                <a:noFill/>
+              </a:ln>
+              <a:solidFill>
+                <a:srgbClr val="000000"/>
+              </a:solidFill>
+              <a:effectLst/>
+              <a:uFillTx/>
+              <a:latin typeface="Calibri" panose="020F0502020204030204" pitchFamily="34" charset="0"/>
+              <a:cs typeface="Calibri" panose="020F0502020204030204" pitchFamily="34" charset="0"/>
+              <a:sym typeface="Helvetica Neue"/>
+            </a:endParaRPr>
+          </a:p>
+        </p:txBody>
+      </p:sp>
+      <p:pic>
+        <p:nvPicPr>
+          <p:cNvPr id="23" name="Graphique 22" descr="Thermomètre">
+            <a:extLst>
+              <a:ext uri="{FF2B5EF4-FFF2-40B4-BE49-F238E27FC236}">
+                <a16:creationId xmlns:a16="http://schemas.microsoft.com/office/drawing/2014/main" id="{4FA92BD6-9335-8719-D235-A0E7141EA4B0}"/>
+              </a:ext>
+            </a:extLst>
+          </p:cNvPr>
+          <p:cNvPicPr>
+            <a:picLocks noChangeAspect="1"/>
+          </p:cNvPicPr>
+          <p:nvPr/>
+        </p:nvPicPr>
+        <p:blipFill>
+          <a:blip r:embed="rId2">
+            <a:extLst>
+              <a:ext uri="{28A0092B-C50C-407E-A947-70E740481C1C}">
+                <a14:useLocalDpi xmlns:a14="http://schemas.microsoft.com/office/drawing/2010/main" val="0"/>
+              </a:ext>
+              <a:ext uri="{96DAC541-7B7A-43D3-8B79-37D633B846F1}">
+                <asvg:svgBlip xmlns:asvg="http://schemas.microsoft.com/office/drawing/2016/SVG/main" r:embed="rId3"/>
+              </a:ext>
+            </a:extLst>
+          </a:blip>
+          <a:stretch>
+            <a:fillRect/>
+          </a:stretch>
+        </p:blipFill>
+        <p:spPr>
+          <a:xfrm>
+            <a:off x="9917213" y="2305090"/>
+            <a:ext cx="585125" cy="585125"/>
+          </a:xfrm>
+          <a:prstGeom prst="rect">
+            <a:avLst/>
+          </a:prstGeom>
+        </p:spPr>
+      </p:pic>
+      <p:pic>
+        <p:nvPicPr>
+          <p:cNvPr id="29" name="Image 28">
+            <a:extLst>
+              <a:ext uri="{FF2B5EF4-FFF2-40B4-BE49-F238E27FC236}">
+                <a16:creationId xmlns:a16="http://schemas.microsoft.com/office/drawing/2014/main" id="{8236FCE1-20AB-C83B-D2B9-FBAE72AFE3EE}"/>
+              </a:ext>
+            </a:extLst>
+          </p:cNvPr>
+          <p:cNvPicPr>
+            <a:picLocks noChangeAspect="1"/>
+          </p:cNvPicPr>
+          <p:nvPr/>
+        </p:nvPicPr>
+        <p:blipFill rotWithShape="1">
+          <a:blip r:embed="rId4"/>
+          <a:srcRect l="9026" t="43951" r="10067"/>
+          <a:stretch/>
+        </p:blipFill>
+        <p:spPr>
+          <a:xfrm>
+            <a:off x="736457" y="1978169"/>
+            <a:ext cx="5397500" cy="3706700"/>
+          </a:xfrm>
+          <a:prstGeom prst="rect">
+            <a:avLst/>
+          </a:prstGeom>
+        </p:spPr>
+      </p:pic>
+      <p:pic>
+        <p:nvPicPr>
+          <p:cNvPr id="31" name="Image 30">
+            <a:extLst>
+              <a:ext uri="{FF2B5EF4-FFF2-40B4-BE49-F238E27FC236}">
+                <a16:creationId xmlns:a16="http://schemas.microsoft.com/office/drawing/2014/main" id="{4A3BF0A6-B5E0-64D5-4F4B-D6481158EA22}"/>
+              </a:ext>
+            </a:extLst>
+          </p:cNvPr>
+          <p:cNvPicPr>
+            <a:picLocks noChangeAspect="1"/>
+          </p:cNvPicPr>
+          <p:nvPr/>
+        </p:nvPicPr>
+        <p:blipFill>
+          <a:blip r:embed="rId5">
+            <a:extLst>
+              <a:ext uri="{28A0092B-C50C-407E-A947-70E740481C1C}">
+                <a14:useLocalDpi xmlns:a14="http://schemas.microsoft.com/office/drawing/2010/main" val="0"/>
+              </a:ext>
+            </a:extLst>
+          </a:blip>
+          <a:stretch>
+            <a:fillRect/>
+          </a:stretch>
+        </p:blipFill>
+        <p:spPr>
+          <a:xfrm>
+            <a:off x="9990701" y="4630189"/>
+            <a:ext cx="438150" cy="350520"/>
+          </a:xfrm>
+          <a:prstGeom prst="rect">
+            <a:avLst/>
+          </a:prstGeom>
+        </p:spPr>
+      </p:pic>
+      <p:pic>
+        <p:nvPicPr>
+          <p:cNvPr id="33" name="Image 32">
+            <a:extLst>
+              <a:ext uri="{FF2B5EF4-FFF2-40B4-BE49-F238E27FC236}">
+                <a16:creationId xmlns:a16="http://schemas.microsoft.com/office/drawing/2014/main" id="{E39E77DB-0074-0365-88C5-85CD6A81480D}"/>
+              </a:ext>
+            </a:extLst>
+          </p:cNvPr>
+          <p:cNvPicPr>
+            <a:picLocks noChangeAspect="1"/>
+          </p:cNvPicPr>
+          <p:nvPr/>
+        </p:nvPicPr>
+        <p:blipFill>
+          <a:blip r:embed="rId6">
+            <a:extLst>
+              <a:ext uri="{28A0092B-C50C-407E-A947-70E740481C1C}">
+                <a14:useLocalDpi xmlns:a14="http://schemas.microsoft.com/office/drawing/2010/main" val="0"/>
+              </a:ext>
+            </a:extLst>
+          </a:blip>
+          <a:stretch>
+            <a:fillRect/>
+          </a:stretch>
+        </p:blipFill>
+        <p:spPr>
+          <a:xfrm>
+            <a:off x="9965035" y="3480320"/>
+            <a:ext cx="432000" cy="432000"/>
+          </a:xfrm>
+          <a:prstGeom prst="rect">
+            <a:avLst/>
+          </a:prstGeom>
+        </p:spPr>
+      </p:pic>
+      <p:pic>
+        <p:nvPicPr>
+          <p:cNvPr id="35" name="Image 34">
+            <a:extLst>
+              <a:ext uri="{FF2B5EF4-FFF2-40B4-BE49-F238E27FC236}">
+                <a16:creationId xmlns:a16="http://schemas.microsoft.com/office/drawing/2014/main" id="{BB336B4B-568E-1EF5-E41B-95F3A5A2A993}"/>
+              </a:ext>
+            </a:extLst>
+          </p:cNvPr>
+          <p:cNvPicPr>
+            <a:picLocks noChangeAspect="1"/>
+          </p:cNvPicPr>
+          <p:nvPr/>
+        </p:nvPicPr>
+        <p:blipFill>
+          <a:blip r:embed="rId7">
+            <a:extLst>
+              <a:ext uri="{28A0092B-C50C-407E-A947-70E740481C1C}">
+                <a14:useLocalDpi xmlns:a14="http://schemas.microsoft.com/office/drawing/2010/main" val="0"/>
+              </a:ext>
+            </a:extLst>
+          </a:blip>
+          <a:stretch>
+            <a:fillRect/>
+          </a:stretch>
+        </p:blipFill>
+        <p:spPr>
+          <a:xfrm>
+            <a:off x="10015548" y="1296809"/>
+            <a:ext cx="343560" cy="392640"/>
+          </a:xfrm>
+          <a:prstGeom prst="rect">
+            <a:avLst/>
+          </a:prstGeom>
+        </p:spPr>
+      </p:pic>
+    </p:spTree>
+    <p:extLst>
+      <p:ext uri="{BB962C8B-B14F-4D97-AF65-F5344CB8AC3E}">
+        <p14:creationId xmlns:p14="http://schemas.microsoft.com/office/powerpoint/2010/main" val="1036254334"/>
+      </p:ext>
+    </p:extLst>
+  </p:cSld>
+  <p:clrMapOvr>
+    <a:masterClrMapping/>
+  </p:clrMapOvr>
+  <p:timing>
+    <p:tnLst>
+      <p:par>
+        <p:cTn id="1" dur="indefinite" restart="never" nodeType="tmRoot">
+          <p:childTnLst>
+            <p:seq concurrent="1" nextAc="seek">
+              <p:cTn id="2" dur="indefinite" nodeType="mainSeq">
+                <p:childTnLst>
+                  <p:par>
+                    <p:cTn id="3" fill="hold">
+                      <p:stCondLst>
+                        <p:cond delay="indefinite"/>
+                        <p:cond evt="onBegin" delay="0">
+                          <p:tn val="2"/>
+                        </p:cond>
+                      </p:stCondLst>
+                      <p:childTnLst>
+                        <p:par>
+                          <p:cTn id="4" fill="hold">
+                            <p:stCondLst>
+                              <p:cond delay="0"/>
+                            </p:stCondLst>
+                            <p:childTnLst>
+                              <p:par>
+                                <p:cTn id="5" presetID="10" presetClass="entr" presetSubtype="0" fill="hold" grpId="0" nodeType="withEffect">
+                                  <p:stCondLst>
+                                    <p:cond delay="0"/>
+                                  </p:stCondLst>
+                                  <p:childTnLst>
+                                    <p:set>
+                                      <p:cBhvr>
+                                        <p:cTn id="6" dur="1" fill="hold">
+                                          <p:stCondLst>
+                                            <p:cond delay="0"/>
+                                          </p:stCondLst>
+                                        </p:cTn>
+                                        <p:tgtEl>
+                                          <p:spTgt spid="18"/>
+                                        </p:tgtEl>
+                                        <p:attrNameLst>
+                                          <p:attrName>style.visibility</p:attrName>
+                                        </p:attrNameLst>
+                                      </p:cBhvr>
+                                      <p:to>
+                                        <p:strVal val="visible"/>
+                                      </p:to>
+                                    </p:set>
+                                    <p:animEffect transition="in" filter="fade">
+                                      <p:cBhvr>
+                                        <p:cTn id="7" dur="500"/>
+                                        <p:tgtEl>
+                                          <p:spTgt spid="18"/>
+                                        </p:tgtEl>
+                                      </p:cBhvr>
+                                    </p:animEffect>
+                                  </p:childTnLst>
+                                </p:cTn>
+                              </p:par>
+                              <p:par>
+                                <p:cTn id="8" presetID="10" presetClass="entr" presetSubtype="0" fill="hold" grpId="0" nodeType="withEffect">
+                                  <p:stCondLst>
+                                    <p:cond delay="0"/>
+                                  </p:stCondLst>
+                                  <p:childTnLst>
+                                    <p:set>
+                                      <p:cBhvr>
+                                        <p:cTn id="9" dur="1" fill="hold">
+                                          <p:stCondLst>
+                                            <p:cond delay="0"/>
+                                          </p:stCondLst>
+                                        </p:cTn>
+                                        <p:tgtEl>
+                                          <p:spTgt spid="22"/>
+                                        </p:tgtEl>
+                                        <p:attrNameLst>
+                                          <p:attrName>style.visibility</p:attrName>
+                                        </p:attrNameLst>
+                                      </p:cBhvr>
+                                      <p:to>
+                                        <p:strVal val="visible"/>
+                                      </p:to>
+                                    </p:set>
+                                    <p:animEffect transition="in" filter="fade">
+                                      <p:cBhvr>
+                                        <p:cTn id="10" dur="500"/>
+                                        <p:tgtEl>
+                                          <p:spTgt spid="22"/>
+                                        </p:tgtEl>
+                                      </p:cBhvr>
+                                    </p:animEffect>
+                                  </p:childTnLst>
+                                </p:cTn>
+                              </p:par>
+                              <p:par>
+                                <p:cTn id="11" presetID="10" presetClass="entr" presetSubtype="0" fill="hold" grpId="0" nodeType="withEffect">
+                                  <p:stCondLst>
+                                    <p:cond delay="0"/>
+                                  </p:stCondLst>
+                                  <p:childTnLst>
+                                    <p:set>
+                                      <p:cBhvr>
+                                        <p:cTn id="12" dur="1" fill="hold">
+                                          <p:stCondLst>
+                                            <p:cond delay="0"/>
+                                          </p:stCondLst>
+                                        </p:cTn>
+                                        <p:tgtEl>
+                                          <p:spTgt spid="19"/>
+                                        </p:tgtEl>
+                                        <p:attrNameLst>
+                                          <p:attrName>style.visibility</p:attrName>
+                                        </p:attrNameLst>
+                                      </p:cBhvr>
+                                      <p:to>
+                                        <p:strVal val="visible"/>
+                                      </p:to>
+                                    </p:set>
+                                    <p:animEffect transition="in" filter="fade">
+                                      <p:cBhvr>
+                                        <p:cTn id="13" dur="500"/>
+                                        <p:tgtEl>
+                                          <p:spTgt spid="19"/>
+                                        </p:tgtEl>
+                                      </p:cBhvr>
+                                    </p:animEffect>
+                                  </p:childTnLst>
+                                </p:cTn>
+                              </p:par>
+                              <p:par>
+                                <p:cTn id="14" presetID="10" presetClass="entr" presetSubtype="0" fill="hold" grpId="0" nodeType="withEffect">
+                                  <p:stCondLst>
+                                    <p:cond delay="0"/>
+                                  </p:stCondLst>
+                                  <p:childTnLst>
+                                    <p:set>
+                                      <p:cBhvr>
+                                        <p:cTn id="15" dur="1" fill="hold">
+                                          <p:stCondLst>
+                                            <p:cond delay="0"/>
+                                          </p:stCondLst>
+                                        </p:cTn>
+                                        <p:tgtEl>
+                                          <p:spTgt spid="20"/>
+                                        </p:tgtEl>
+                                        <p:attrNameLst>
+                                          <p:attrName>style.visibility</p:attrName>
+                                        </p:attrNameLst>
+                                      </p:cBhvr>
+                                      <p:to>
+                                        <p:strVal val="visible"/>
+                                      </p:to>
+                                    </p:set>
+                                    <p:animEffect transition="in" filter="fade">
+                                      <p:cBhvr>
+                                        <p:cTn id="16" dur="500"/>
+                                        <p:tgtEl>
+                                          <p:spTgt spid="20"/>
+                                        </p:tgtEl>
+                                      </p:cBhvr>
+                                    </p:animEffect>
+                                  </p:childTnLst>
+                                </p:cTn>
+                              </p:par>
+                              <p:par>
+                                <p:cTn id="17" presetID="10" presetClass="entr" presetSubtype="0" fill="hold" grpId="0" nodeType="withEffect">
+                                  <p:stCondLst>
+                                    <p:cond delay="0"/>
+                                  </p:stCondLst>
+                                  <p:childTnLst>
+                                    <p:set>
+                                      <p:cBhvr>
+                                        <p:cTn id="18" dur="1" fill="hold">
+                                          <p:stCondLst>
+                                            <p:cond delay="0"/>
+                                          </p:stCondLst>
+                                        </p:cTn>
+                                        <p:tgtEl>
+                                          <p:spTgt spid="21"/>
+                                        </p:tgtEl>
+                                        <p:attrNameLst>
+                                          <p:attrName>style.visibility</p:attrName>
+                                        </p:attrNameLst>
+                                      </p:cBhvr>
+                                      <p:to>
+                                        <p:strVal val="visible"/>
+                                      </p:to>
+                                    </p:set>
+                                    <p:animEffect transition="in" filter="fade">
+                                      <p:cBhvr>
+                                        <p:cTn id="19" dur="500"/>
+                                        <p:tgtEl>
+                                          <p:spTgt spid="21"/>
+                                        </p:tgtEl>
+                                      </p:cBhvr>
+                                    </p:animEffect>
+                                  </p:childTnLst>
+                                </p:cTn>
+                              </p:par>
+                              <p:par>
+                                <p:cTn id="20" presetID="10" presetClass="entr" presetSubtype="0" fill="hold" nodeType="withEffect">
+                                  <p:stCondLst>
+                                    <p:cond delay="0"/>
+                                  </p:stCondLst>
+                                  <p:childTnLst>
+                                    <p:set>
+                                      <p:cBhvr>
+                                        <p:cTn id="21" dur="1" fill="hold">
+                                          <p:stCondLst>
+                                            <p:cond delay="0"/>
+                                          </p:stCondLst>
+                                        </p:cTn>
+                                        <p:tgtEl>
+                                          <p:spTgt spid="23"/>
+                                        </p:tgtEl>
+                                        <p:attrNameLst>
+                                          <p:attrName>style.visibility</p:attrName>
+                                        </p:attrNameLst>
+                                      </p:cBhvr>
+                                      <p:to>
+                                        <p:strVal val="visible"/>
+                                      </p:to>
+                                    </p:set>
+                                    <p:animEffect transition="in" filter="fade">
+                                      <p:cBhvr>
+                                        <p:cTn id="22" dur="500"/>
+                                        <p:tgtEl>
+                                          <p:spTgt spid="23"/>
+                                        </p:tgtEl>
+                                      </p:cBhvr>
+                                    </p:animEffect>
+                                  </p:childTnLst>
+                                </p:cTn>
+                              </p:par>
+                            </p:childTnLst>
+                          </p:cTn>
+                        </p:par>
+                      </p:childTnLst>
+                    </p:cTn>
+                  </p:par>
+                </p:childTnLst>
+              </p:cTn>
+              <p:prevCondLst>
+                <p:cond evt="onPrev" delay="0">
+                  <p:tgtEl>
+                    <p:sldTgt/>
+                  </p:tgtEl>
+                </p:cond>
+              </p:prevCondLst>
+              <p:nextCondLst>
+                <p:cond evt="onNext" delay="0">
+                  <p:tgtEl>
+                    <p:sldTgt/>
+                  </p:tgtEl>
+                </p:cond>
+              </p:nextCondLst>
+            </p:seq>
+          </p:childTnLst>
+        </p:cTn>
+      </p:par>
+    </p:tnLst>
+    <p:bldLst>
+      <p:bldP spid="18" grpId="0" animBg="1"/>
+      <p:bldP spid="19" grpId="0" animBg="1"/>
+      <p:bldP spid="20" grpId="0" animBg="1"/>
+      <p:bldP spid="21" grpId="0" animBg="1"/>
+      <p:bldP spid="22" grpId="0"/>
+    </p:bldLst>
+  </p:timing>
+</p:sld>
+</file>
+
+<file path=ppt/slides/slide5.xml><?xml version="1.0" encoding="utf-8"?>
+<p:sld xmlns:a="http://schemas.openxmlformats.org/drawingml/2006/main" xmlns:r="http://schemas.openxmlformats.org/officeDocument/2006/relationships" xmlns:p="http://schemas.openxmlformats.org/presentationml/2006/main">
+  <p:cSld>
+    <p:spTree>
+      <p:nvGrpSpPr>
+        <p:cNvPr id="1" name=""/>
+        <p:cNvGrpSpPr/>
+        <p:nvPr/>
+      </p:nvGrpSpPr>
+      <p:grpSpPr>
+        <a:xfrm>
+          <a:off x="0" y="0"/>
+          <a:ext cx="0" cy="0"/>
+          <a:chOff x="0" y="0"/>
+          <a:chExt cx="0" cy="0"/>
+        </a:xfrm>
+      </p:grpSpPr>
+      <p:sp>
+        <p:nvSpPr>
+          <p:cNvPr id="2" name="Titre 1">
+            <a:extLst>
+              <a:ext uri="{FF2B5EF4-FFF2-40B4-BE49-F238E27FC236}">
+                <a16:creationId xmlns:a16="http://schemas.microsoft.com/office/drawing/2014/main" id="{1574F7AB-EF7C-4C43-AACB-3FD5A1356D0F}"/>
+              </a:ext>
+            </a:extLst>
+          </p:cNvPr>
+          <p:cNvSpPr>
+            <a:spLocks noGrp="1"/>
+          </p:cNvSpPr>
+          <p:nvPr>
+            <p:ph type="title"/>
+          </p:nvPr>
+        </p:nvSpPr>
+        <p:spPr/>
+        <p:txBody>
+          <a:bodyPr/>
+          <a:lstStyle/>
+          <a:p>
+            <a:r>
+              <a:rPr lang="fr-FR" dirty="0"/>
+              <a:t>Centrale</a:t>
+            </a:r>
+          </a:p>
+        </p:txBody>
+      </p:sp>
+      <p:sp>
+        <p:nvSpPr>
+          <p:cNvPr id="4" name="Rectangle : coins arrondis 3">
+            <a:extLst>
+              <a:ext uri="{FF2B5EF4-FFF2-40B4-BE49-F238E27FC236}">
+                <a16:creationId xmlns:a16="http://schemas.microsoft.com/office/drawing/2014/main" id="{1CAEA6A6-1DB5-42AA-967D-3D491017D5C6}"/>
+              </a:ext>
+            </a:extLst>
+          </p:cNvPr>
+          <p:cNvSpPr/>
+          <p:nvPr/>
+        </p:nvSpPr>
+        <p:spPr>
+          <a:xfrm>
+            <a:off x="6823571" y="1198013"/>
+            <a:ext cx="3731012" cy="590233"/>
+          </a:xfrm>
+          <a:prstGeom prst="roundRect">
+            <a:avLst/>
+          </a:prstGeom>
+          <a:solidFill>
+            <a:srgbClr val="FFFFFF"/>
+          </a:solidFill>
+          <a:ln w="25400" cap="flat">
+            <a:solidFill>
+              <a:schemeClr val="tx1"/>
+            </a:solidFill>
+            <a:prstDash val="solid"/>
+            <a:round/>
+          </a:ln>
+          <a:effectLst>
+            <a:outerShdw blurRad="38100" dist="25400" dir="5400000" rotWithShape="0">
+              <a:srgbClr val="000000">
+                <a:alpha val="50000"/>
+              </a:srgbClr>
+            </a:outerShdw>
+          </a:effectLst>
+          <a:sp3d/>
+        </p:spPr>
+        <p:style>
+          <a:lnRef idx="0">
+            <a:scrgbClr r="0" g="0" b="0"/>
+          </a:lnRef>
+          <a:fillRef idx="0">
+            <a:scrgbClr r="0" g="0" b="0"/>
+          </a:fillRef>
+          <a:effectRef idx="0">
+            <a:scrgbClr r="0" g="0" b="0"/>
+          </a:effectRef>
+          <a:fontRef idx="none"/>
+        </p:style>
+        <p:txBody>
+          <a:bodyPr rot="0" spcFirstLastPara="1" vertOverflow="overflow" horzOverflow="overflow" vert="horz" wrap="square" lIns="50800" tIns="50800" rIns="50800" bIns="50800" numCol="1" spcCol="38100" rtlCol="0" anchor="ctr">
+            <a:spAutoFit/>
+          </a:bodyPr>
+          <a:lstStyle/>
+          <a:p>
+            <a:pPr marL="0" marR="0" indent="0" algn="ctr" defTabSz="584200" rtl="0" fontAlgn="auto" latinLnBrk="0" hangingPunct="0">
+              <a:lnSpc>
+                <a:spcPct val="100000"/>
+              </a:lnSpc>
+              <a:spcBef>
+                <a:spcPts val="0"/>
+              </a:spcBef>
+              <a:spcAft>
+                <a:spcPts val="0"/>
+              </a:spcAft>
+              <a:buClrTx/>
+              <a:buSzTx/>
+              <a:buFontTx/>
+              <a:buNone/>
+              <a:tabLst/>
+            </a:pPr>
+            <a:endParaRPr kumimoji="0" lang="fr-FR" sz="2800" b="0" i="0" u="none" strike="noStrike" cap="none" spc="0" normalizeH="0" baseline="0" dirty="0">
+              <a:ln>
+                <a:noFill/>
+              </a:ln>
+              <a:solidFill>
+                <a:srgbClr val="000000"/>
+              </a:solidFill>
+              <a:effectLst/>
+              <a:uFillTx/>
+              <a:latin typeface="+mn-lt"/>
+              <a:ea typeface="+mn-ea"/>
+              <a:cs typeface="+mn-cs"/>
+              <a:sym typeface="Helvetica Neue"/>
+            </a:endParaRPr>
+          </a:p>
+        </p:txBody>
+      </p:sp>
+      <p:sp>
+        <p:nvSpPr>
+          <p:cNvPr id="7" name="Rectangle : coins arrondis 6">
+            <a:extLst>
+              <a:ext uri="{FF2B5EF4-FFF2-40B4-BE49-F238E27FC236}">
+                <a16:creationId xmlns:a16="http://schemas.microsoft.com/office/drawing/2014/main" id="{9CF6DC22-4A4E-4643-8A12-ABC94B381D12}"/>
+              </a:ext>
+            </a:extLst>
+          </p:cNvPr>
+          <p:cNvSpPr/>
+          <p:nvPr/>
+        </p:nvSpPr>
+        <p:spPr>
+          <a:xfrm>
+            <a:off x="6823571" y="2299982"/>
+            <a:ext cx="3731012" cy="590233"/>
+          </a:xfrm>
+          <a:prstGeom prst="roundRect">
+            <a:avLst/>
+          </a:prstGeom>
+          <a:solidFill>
+            <a:srgbClr val="FFFFFF"/>
+          </a:solidFill>
+          <a:ln w="25400" cap="flat">
+            <a:solidFill>
+              <a:schemeClr val="tx1"/>
+            </a:solidFill>
+            <a:prstDash val="solid"/>
+            <a:round/>
+          </a:ln>
+          <a:effectLst>
+            <a:outerShdw blurRad="38100" dist="25400" dir="5400000" rotWithShape="0">
+              <a:srgbClr val="000000">
+                <a:alpha val="50000"/>
+              </a:srgbClr>
+            </a:outerShdw>
+          </a:effectLst>
+          <a:sp3d/>
+        </p:spPr>
+        <p:style>
+          <a:lnRef idx="0">
+            <a:scrgbClr r="0" g="0" b="0"/>
+          </a:lnRef>
+          <a:fillRef idx="0">
+            <a:scrgbClr r="0" g="0" b="0"/>
+          </a:fillRef>
+          <a:effectRef idx="0">
+            <a:scrgbClr r="0" g="0" b="0"/>
+          </a:effectRef>
+          <a:fontRef idx="none"/>
+        </p:style>
+        <p:txBody>
+          <a:bodyPr rot="0" spcFirstLastPara="1" vertOverflow="overflow" horzOverflow="overflow" vert="horz" wrap="square" lIns="50800" tIns="50800" rIns="50800" bIns="50800" numCol="1" spcCol="38100" rtlCol="0" anchor="ctr">
+            <a:spAutoFit/>
+          </a:bodyPr>
+          <a:lstStyle/>
+          <a:p>
+            <a:pPr marL="0" marR="0" indent="0" algn="ctr" defTabSz="584200" rtl="0" fontAlgn="auto" latinLnBrk="0" hangingPunct="0">
+              <a:lnSpc>
+                <a:spcPct val="100000"/>
+              </a:lnSpc>
+              <a:spcBef>
+                <a:spcPts val="0"/>
+              </a:spcBef>
+              <a:spcAft>
+                <a:spcPts val="0"/>
+              </a:spcAft>
+              <a:buClrTx/>
+              <a:buSzTx/>
+              <a:buFontTx/>
+              <a:buNone/>
+              <a:tabLst/>
+            </a:pPr>
+            <a:endParaRPr kumimoji="0" lang="fr-FR" sz="2800" b="0" i="0" u="none" strike="noStrike" cap="none" spc="0" normalizeH="0" baseline="0" dirty="0">
+              <a:ln>
+                <a:noFill/>
+              </a:ln>
+              <a:solidFill>
+                <a:srgbClr val="000000"/>
+              </a:solidFill>
+              <a:effectLst/>
+              <a:uFillTx/>
+              <a:latin typeface="+mn-lt"/>
+              <a:ea typeface="+mn-ea"/>
+              <a:cs typeface="+mn-cs"/>
+              <a:sym typeface="Helvetica Neue"/>
+            </a:endParaRPr>
+          </a:p>
+        </p:txBody>
+      </p:sp>
+      <p:sp>
+        <p:nvSpPr>
+          <p:cNvPr id="8" name="Rectangle : coins arrondis 7">
+            <a:extLst>
+              <a:ext uri="{FF2B5EF4-FFF2-40B4-BE49-F238E27FC236}">
+                <a16:creationId xmlns:a16="http://schemas.microsoft.com/office/drawing/2014/main" id="{65688323-15C8-4DC7-A2A9-678097788C97}"/>
+              </a:ext>
+            </a:extLst>
+          </p:cNvPr>
+          <p:cNvSpPr/>
+          <p:nvPr/>
+        </p:nvSpPr>
+        <p:spPr>
+          <a:xfrm>
+            <a:off x="6823571" y="3377553"/>
+            <a:ext cx="3731012" cy="590233"/>
+          </a:xfrm>
+          <a:prstGeom prst="roundRect">
+            <a:avLst/>
+          </a:prstGeom>
+          <a:solidFill>
+            <a:srgbClr val="FFFFFF"/>
+          </a:solidFill>
+          <a:ln w="25400" cap="flat">
+            <a:solidFill>
+              <a:schemeClr val="tx1"/>
+            </a:solidFill>
+            <a:prstDash val="solid"/>
+            <a:round/>
+          </a:ln>
+          <a:effectLst>
+            <a:outerShdw blurRad="38100" dist="25400" dir="5400000" rotWithShape="0">
+              <a:srgbClr val="000000">
+                <a:alpha val="50000"/>
+              </a:srgbClr>
+            </a:outerShdw>
+          </a:effectLst>
+          <a:sp3d/>
+        </p:spPr>
+        <p:style>
+          <a:lnRef idx="0">
+            <a:scrgbClr r="0" g="0" b="0"/>
+          </a:lnRef>
+          <a:fillRef idx="0">
+            <a:scrgbClr r="0" g="0" b="0"/>
+          </a:fillRef>
+          <a:effectRef idx="0">
+            <a:scrgbClr r="0" g="0" b="0"/>
+          </a:effectRef>
+          <a:fontRef idx="none"/>
+        </p:style>
+        <p:txBody>
+          <a:bodyPr rot="0" spcFirstLastPara="1" vertOverflow="overflow" horzOverflow="overflow" vert="horz" wrap="square" lIns="50800" tIns="50800" rIns="50800" bIns="50800" numCol="1" spcCol="38100" rtlCol="0" anchor="ctr">
+            <a:spAutoFit/>
+          </a:bodyPr>
+          <a:lstStyle/>
+          <a:p>
+            <a:pPr marL="0" marR="0" indent="0" algn="ctr" defTabSz="584200" rtl="0" fontAlgn="auto" latinLnBrk="0" hangingPunct="0">
+              <a:lnSpc>
+                <a:spcPct val="100000"/>
+              </a:lnSpc>
+              <a:spcBef>
+                <a:spcPts val="0"/>
+              </a:spcBef>
+              <a:spcAft>
+                <a:spcPts val="0"/>
+              </a:spcAft>
+              <a:buClrTx/>
+              <a:buSzTx/>
+              <a:buFontTx/>
+              <a:buNone/>
+              <a:tabLst/>
+            </a:pPr>
+            <a:endParaRPr kumimoji="0" lang="fr-FR" sz="2800" b="0" i="0" u="none" strike="noStrike" cap="none" spc="0" normalizeH="0" baseline="0" dirty="0">
+              <a:ln>
+                <a:noFill/>
+              </a:ln>
+              <a:solidFill>
+                <a:srgbClr val="000000"/>
+              </a:solidFill>
+              <a:effectLst/>
+              <a:uFillTx/>
+              <a:latin typeface="+mn-lt"/>
+              <a:ea typeface="+mn-ea"/>
+              <a:cs typeface="+mn-cs"/>
+              <a:sym typeface="Helvetica Neue"/>
+            </a:endParaRPr>
+          </a:p>
+        </p:txBody>
+      </p:sp>
+      <p:sp>
+        <p:nvSpPr>
+          <p:cNvPr id="9" name="Rectangle : coins arrondis 8">
+            <a:extLst>
+              <a:ext uri="{FF2B5EF4-FFF2-40B4-BE49-F238E27FC236}">
+                <a16:creationId xmlns:a16="http://schemas.microsoft.com/office/drawing/2014/main" id="{DD48965F-1F64-406C-8A23-DD121E23B7B1}"/>
+              </a:ext>
+            </a:extLst>
+          </p:cNvPr>
+          <p:cNvSpPr/>
+          <p:nvPr/>
+        </p:nvSpPr>
+        <p:spPr>
+          <a:xfrm>
+            <a:off x="6823571" y="4510333"/>
+            <a:ext cx="3731012" cy="590233"/>
+          </a:xfrm>
+          <a:prstGeom prst="roundRect">
+            <a:avLst/>
+          </a:prstGeom>
+          <a:solidFill>
+            <a:srgbClr val="FFFFFF"/>
+          </a:solidFill>
+          <a:ln w="25400" cap="flat">
+            <a:solidFill>
+              <a:schemeClr val="tx1"/>
+            </a:solidFill>
+            <a:prstDash val="solid"/>
+            <a:round/>
+          </a:ln>
+          <a:effectLst>
+            <a:outerShdw blurRad="38100" dist="25400" dir="5400000" rotWithShape="0">
+              <a:srgbClr val="000000">
+                <a:alpha val="50000"/>
+              </a:srgbClr>
+            </a:outerShdw>
+          </a:effectLst>
+          <a:sp3d/>
+        </p:spPr>
+        <p:style>
+          <a:lnRef idx="0">
+            <a:scrgbClr r="0" g="0" b="0"/>
+          </a:lnRef>
+          <a:fillRef idx="0">
+            <a:scrgbClr r="0" g="0" b="0"/>
+          </a:fillRef>
+          <a:effectRef idx="0">
+            <a:scrgbClr r="0" g="0" b="0"/>
+          </a:effectRef>
+          <a:fontRef idx="none"/>
+        </p:style>
+        <p:txBody>
+          <a:bodyPr rot="0" spcFirstLastPara="1" vertOverflow="overflow" horzOverflow="overflow" vert="horz" wrap="square" lIns="50800" tIns="50800" rIns="50800" bIns="50800" numCol="1" spcCol="38100" rtlCol="0" anchor="ctr">
+            <a:spAutoFit/>
+          </a:bodyPr>
+          <a:lstStyle/>
+          <a:p>
+            <a:pPr marL="0" marR="0" indent="0" algn="ctr" defTabSz="584200" rtl="0" fontAlgn="auto" latinLnBrk="0" hangingPunct="0">
+              <a:lnSpc>
+                <a:spcPct val="100000"/>
+              </a:lnSpc>
+              <a:spcBef>
+                <a:spcPts val="0"/>
+              </a:spcBef>
+              <a:spcAft>
+                <a:spcPts val="0"/>
+              </a:spcAft>
+              <a:buClrTx/>
+              <a:buSzTx/>
+              <a:buFontTx/>
+              <a:buNone/>
+              <a:tabLst/>
+            </a:pPr>
+            <a:endParaRPr kumimoji="0" lang="fr-FR" sz="2800" b="0" i="0" u="none" strike="noStrike" cap="none" spc="0" normalizeH="0" baseline="0" dirty="0">
+              <a:ln>
+                <a:noFill/>
+              </a:ln>
+              <a:solidFill>
+                <a:srgbClr val="000000"/>
+              </a:solidFill>
+              <a:effectLst/>
+              <a:uFillTx/>
+              <a:latin typeface="+mn-lt"/>
+              <a:ea typeface="+mn-ea"/>
+              <a:cs typeface="+mn-cs"/>
+              <a:sym typeface="Helvetica Neue"/>
+            </a:endParaRPr>
+          </a:p>
+        </p:txBody>
+      </p:sp>
+      <p:sp>
+        <p:nvSpPr>
           <p:cNvPr id="6" name="ZoneTexte 5">
             <a:extLst>
               <a:ext uri="{FF2B5EF4-FFF2-40B4-BE49-F238E27FC236}">
@@ -6945,7 +8148,7 @@
                 <a:cs typeface="Calibri" panose="020F0502020204030204" pitchFamily="34" charset="0"/>
                 <a:sym typeface="Helvetica Neue"/>
               </a:rPr>
-              <a:t>Polyvalence</a:t>
+              <a:t>Centralisation</a:t>
             </a:r>
           </a:p>
           <a:p>
@@ -7083,6 +8286,71 @@
           <a:xfrm>
             <a:off x="10015548" y="1296809"/>
             <a:ext cx="343560" cy="392640"/>
+          </a:xfrm>
+          <a:prstGeom prst="rect">
+            <a:avLst/>
+          </a:prstGeom>
+        </p:spPr>
+      </p:pic>
+      <p:pic>
+        <p:nvPicPr>
+          <p:cNvPr id="5" name="Image 4">
+            <a:extLst>
+              <a:ext uri="{FF2B5EF4-FFF2-40B4-BE49-F238E27FC236}">
+                <a16:creationId xmlns:a16="http://schemas.microsoft.com/office/drawing/2014/main" id="{70A3E4A7-C40C-94D1-48EC-AF053A4E6BB1}"/>
+              </a:ext>
+            </a:extLst>
+          </p:cNvPr>
+          <p:cNvPicPr>
+            <a:picLocks noChangeAspect="1"/>
+          </p:cNvPicPr>
+          <p:nvPr/>
+        </p:nvPicPr>
+        <p:blipFill rotWithShape="1">
+          <a:blip r:embed="rId5"/>
+          <a:srcRect l="7547" r="10404" b="43251"/>
+          <a:stretch/>
+        </p:blipFill>
+        <p:spPr>
+          <a:xfrm>
+            <a:off x="617188" y="2091288"/>
+            <a:ext cx="5473700" cy="3752996"/>
+          </a:xfrm>
+          <a:prstGeom prst="rect">
+            <a:avLst/>
+          </a:prstGeom>
+        </p:spPr>
+      </p:pic>
+      <p:pic>
+        <p:nvPicPr>
+          <p:cNvPr id="15" name="Image 14">
+            <a:extLst>
+              <a:ext uri="{FF2B5EF4-FFF2-40B4-BE49-F238E27FC236}">
+                <a16:creationId xmlns:a16="http://schemas.microsoft.com/office/drawing/2014/main" id="{61F1D697-2D1C-F92A-39FC-39CD316E7804}"/>
+              </a:ext>
+            </a:extLst>
+          </p:cNvPr>
+          <p:cNvPicPr>
+            <a:picLocks noChangeAspect="1"/>
+          </p:cNvPicPr>
+          <p:nvPr/>
+        </p:nvPicPr>
+        <p:blipFill>
+          <a:blip r:embed="rId6">
+            <a:extLst>
+              <a:ext uri="{28A0092B-C50C-407E-A947-70E740481C1C}">
+                <a14:useLocalDpi xmlns:a14="http://schemas.microsoft.com/office/drawing/2010/main" val="0"/>
+              </a:ext>
+            </a:extLst>
+          </a:blip>
+          <a:stretch>
+            <a:fillRect/>
+          </a:stretch>
+        </p:blipFill>
+        <p:spPr>
+          <a:xfrm>
+            <a:off x="10015548" y="4573674"/>
+            <a:ext cx="463550" cy="463550"/>
           </a:xfrm>
           <a:prstGeom prst="rect">
             <a:avLst/>
@@ -7392,1039 +8660,6 @@
           <p:cNvPr id="2" name="Titre 1">
             <a:extLst>
               <a:ext uri="{FF2B5EF4-FFF2-40B4-BE49-F238E27FC236}">
-                <a16:creationId xmlns:a16="http://schemas.microsoft.com/office/drawing/2014/main" id="{784336C2-0028-4952-BF7D-8512CED1A26C}"/>
-              </a:ext>
-            </a:extLst>
-          </p:cNvPr>
-          <p:cNvSpPr>
-            <a:spLocks noGrp="1"/>
-          </p:cNvSpPr>
-          <p:nvPr>
-            <p:ph type="title"/>
-          </p:nvPr>
-        </p:nvSpPr>
-        <p:spPr/>
-        <p:txBody>
-          <a:bodyPr/>
-          <a:lstStyle/>
-          <a:p>
-            <a:r>
-              <a:rPr lang="fr-FR" dirty="0"/>
-              <a:t>Ethernet</a:t>
-            </a:r>
-          </a:p>
-        </p:txBody>
-      </p:sp>
-      <p:sp>
-        <p:nvSpPr>
-          <p:cNvPr id="6" name="Rectangle : coins arrondis 5">
-            <a:extLst>
-              <a:ext uri="{FF2B5EF4-FFF2-40B4-BE49-F238E27FC236}">
-                <a16:creationId xmlns:a16="http://schemas.microsoft.com/office/drawing/2014/main" id="{87A8CFEA-D31F-482B-8D3E-1F1DA832CA50}"/>
-              </a:ext>
-            </a:extLst>
-          </p:cNvPr>
-          <p:cNvSpPr/>
-          <p:nvPr/>
-        </p:nvSpPr>
-        <p:spPr>
-          <a:xfrm>
-            <a:off x="3769567" y="4901001"/>
-            <a:ext cx="1687271" cy="790968"/>
-          </a:xfrm>
-          <a:prstGeom prst="roundRect">
-            <a:avLst/>
-          </a:prstGeom>
-          <a:noFill/>
-          <a:ln w="38100">
-            <a:solidFill>
-              <a:schemeClr val="tx1"/>
-            </a:solidFill>
-          </a:ln>
-        </p:spPr>
-        <p:style>
-          <a:lnRef idx="2">
-            <a:schemeClr val="accent1">
-              <a:shade val="50000"/>
-            </a:schemeClr>
-          </a:lnRef>
-          <a:fillRef idx="1">
-            <a:schemeClr val="accent1"/>
-          </a:fillRef>
-          <a:effectRef idx="0">
-            <a:schemeClr val="accent1"/>
-          </a:effectRef>
-          <a:fontRef idx="minor">
-            <a:schemeClr val="lt1"/>
-          </a:fontRef>
-        </p:style>
-        <p:txBody>
-          <a:bodyPr rtlCol="0" anchor="ctr"/>
-          <a:lstStyle/>
-          <a:p>
-            <a:pPr algn="ctr"/>
-            <a:r>
-              <a:rPr lang="fr-FR" b="1" dirty="0">
-                <a:solidFill>
-                  <a:schemeClr val="tx1"/>
-                </a:solidFill>
-              </a:rPr>
-              <a:t>Mise à jour des données</a:t>
-            </a:r>
-          </a:p>
-        </p:txBody>
-      </p:sp>
-      <p:sp>
-        <p:nvSpPr>
-          <p:cNvPr id="7" name="Losange 6">
-            <a:extLst>
-              <a:ext uri="{FF2B5EF4-FFF2-40B4-BE49-F238E27FC236}">
-                <a16:creationId xmlns:a16="http://schemas.microsoft.com/office/drawing/2014/main" id="{A4AEF731-41BE-4F94-A642-537C66F826EB}"/>
-              </a:ext>
-            </a:extLst>
-          </p:cNvPr>
-          <p:cNvSpPr/>
-          <p:nvPr/>
-        </p:nvSpPr>
-        <p:spPr>
-          <a:xfrm>
-            <a:off x="1021733" y="3348276"/>
-            <a:ext cx="2232837" cy="1046722"/>
-          </a:xfrm>
-          <a:prstGeom prst="diamond">
-            <a:avLst/>
-          </a:prstGeom>
-          <a:noFill/>
-          <a:ln w="38100">
-            <a:solidFill>
-              <a:schemeClr val="tx1"/>
-            </a:solidFill>
-          </a:ln>
-        </p:spPr>
-        <p:style>
-          <a:lnRef idx="2">
-            <a:schemeClr val="accent1">
-              <a:shade val="50000"/>
-            </a:schemeClr>
-          </a:lnRef>
-          <a:fillRef idx="1">
-            <a:schemeClr val="accent1"/>
-          </a:fillRef>
-          <a:effectRef idx="0">
-            <a:schemeClr val="accent1"/>
-          </a:effectRef>
-          <a:fontRef idx="minor">
-            <a:schemeClr val="lt1"/>
-          </a:fontRef>
-        </p:style>
-        <p:txBody>
-          <a:bodyPr rtlCol="0" anchor="ctr"/>
-          <a:lstStyle/>
-          <a:p>
-            <a:pPr algn="ctr"/>
-            <a:endParaRPr lang="fr-FR"/>
-          </a:p>
-        </p:txBody>
-      </p:sp>
-      <p:sp>
-        <p:nvSpPr>
-          <p:cNvPr id="8" name="ZoneTexte 7">
-            <a:extLst>
-              <a:ext uri="{FF2B5EF4-FFF2-40B4-BE49-F238E27FC236}">
-                <a16:creationId xmlns:a16="http://schemas.microsoft.com/office/drawing/2014/main" id="{314B901E-AE7F-430C-9077-ED4219375472}"/>
-              </a:ext>
-            </a:extLst>
-          </p:cNvPr>
-          <p:cNvSpPr txBox="1"/>
-          <p:nvPr/>
-        </p:nvSpPr>
-        <p:spPr>
-          <a:xfrm>
-            <a:off x="1250333" y="3686971"/>
-            <a:ext cx="2232837" cy="369332"/>
-          </a:xfrm>
-          <a:prstGeom prst="rect">
-            <a:avLst/>
-          </a:prstGeom>
-          <a:noFill/>
-        </p:spPr>
-        <p:txBody>
-          <a:bodyPr wrap="square" rtlCol="0">
-            <a:spAutoFit/>
-          </a:bodyPr>
-          <a:lstStyle/>
-          <a:p>
-            <a:r>
-              <a:rPr lang="fr-FR" dirty="0"/>
-              <a:t>Client disponible</a:t>
-            </a:r>
-          </a:p>
-        </p:txBody>
-      </p:sp>
-      <p:sp>
-        <p:nvSpPr>
-          <p:cNvPr id="9" name="Losange 8">
-            <a:extLst>
-              <a:ext uri="{FF2B5EF4-FFF2-40B4-BE49-F238E27FC236}">
-                <a16:creationId xmlns:a16="http://schemas.microsoft.com/office/drawing/2014/main" id="{B0EED8A5-D5EC-4FAD-AA1D-C4E34A40B275}"/>
-              </a:ext>
-            </a:extLst>
-          </p:cNvPr>
-          <p:cNvSpPr/>
-          <p:nvPr/>
-        </p:nvSpPr>
-        <p:spPr>
-          <a:xfrm>
-            <a:off x="1021733" y="4754140"/>
-            <a:ext cx="2232837" cy="1046722"/>
-          </a:xfrm>
-          <a:prstGeom prst="diamond">
-            <a:avLst/>
-          </a:prstGeom>
-          <a:noFill/>
-          <a:ln w="38100">
-            <a:solidFill>
-              <a:schemeClr val="tx1"/>
-            </a:solidFill>
-          </a:ln>
-        </p:spPr>
-        <p:style>
-          <a:lnRef idx="2">
-            <a:schemeClr val="accent1">
-              <a:shade val="50000"/>
-            </a:schemeClr>
-          </a:lnRef>
-          <a:fillRef idx="1">
-            <a:schemeClr val="accent1"/>
-          </a:fillRef>
-          <a:effectRef idx="0">
-            <a:schemeClr val="accent1"/>
-          </a:effectRef>
-          <a:fontRef idx="minor">
-            <a:schemeClr val="lt1"/>
-          </a:fontRef>
-        </p:style>
-        <p:txBody>
-          <a:bodyPr rtlCol="0" anchor="ctr"/>
-          <a:lstStyle/>
-          <a:p>
-            <a:pPr algn="ctr"/>
-            <a:endParaRPr lang="fr-FR"/>
-          </a:p>
-        </p:txBody>
-      </p:sp>
-      <p:sp>
-        <p:nvSpPr>
-          <p:cNvPr id="10" name="ZoneTexte 9">
-            <a:extLst>
-              <a:ext uri="{FF2B5EF4-FFF2-40B4-BE49-F238E27FC236}">
-                <a16:creationId xmlns:a16="http://schemas.microsoft.com/office/drawing/2014/main" id="{92916B43-D1E9-471F-B12A-F7747460101C}"/>
-              </a:ext>
-            </a:extLst>
-          </p:cNvPr>
-          <p:cNvSpPr txBox="1"/>
-          <p:nvPr/>
-        </p:nvSpPr>
-        <p:spPr>
-          <a:xfrm>
-            <a:off x="1267730" y="5092835"/>
-            <a:ext cx="1740843" cy="369332"/>
-          </a:xfrm>
-          <a:prstGeom prst="rect">
-            <a:avLst/>
-          </a:prstGeom>
-          <a:noFill/>
-        </p:spPr>
-        <p:txBody>
-          <a:bodyPr wrap="square" rtlCol="0">
-            <a:spAutoFit/>
-          </a:bodyPr>
-          <a:lstStyle/>
-          <a:p>
-            <a:r>
-              <a:rPr lang="fr-FR" dirty="0"/>
-              <a:t>Données UART</a:t>
-            </a:r>
-          </a:p>
-        </p:txBody>
-      </p:sp>
-      <p:sp>
-        <p:nvSpPr>
-          <p:cNvPr id="11" name="Rectangle : coins arrondis 10">
-            <a:extLst>
-              <a:ext uri="{FF2B5EF4-FFF2-40B4-BE49-F238E27FC236}">
-                <a16:creationId xmlns:a16="http://schemas.microsoft.com/office/drawing/2014/main" id="{A3E40FDA-7261-4B64-9945-BB4B58F21226}"/>
-              </a:ext>
-            </a:extLst>
-          </p:cNvPr>
-          <p:cNvSpPr/>
-          <p:nvPr/>
-        </p:nvSpPr>
-        <p:spPr>
-          <a:xfrm>
-            <a:off x="1021732" y="1975797"/>
-            <a:ext cx="2232837" cy="1046722"/>
-          </a:xfrm>
-          <a:prstGeom prst="roundRect">
-            <a:avLst/>
-          </a:prstGeom>
-          <a:noFill/>
-          <a:ln w="38100">
-            <a:solidFill>
-              <a:schemeClr val="tx1"/>
-            </a:solidFill>
-          </a:ln>
-        </p:spPr>
-        <p:style>
-          <a:lnRef idx="2">
-            <a:schemeClr val="accent1">
-              <a:shade val="50000"/>
-            </a:schemeClr>
-          </a:lnRef>
-          <a:fillRef idx="1">
-            <a:schemeClr val="accent1"/>
-          </a:fillRef>
-          <a:effectRef idx="0">
-            <a:schemeClr val="accent1"/>
-          </a:effectRef>
-          <a:fontRef idx="minor">
-            <a:schemeClr val="lt1"/>
-          </a:fontRef>
-        </p:style>
-        <p:txBody>
-          <a:bodyPr rtlCol="0" anchor="ctr"/>
-          <a:lstStyle/>
-          <a:p>
-            <a:pPr algn="ctr"/>
-            <a:r>
-              <a:rPr lang="fr-FR" b="1" dirty="0">
-                <a:solidFill>
-                  <a:schemeClr val="tx1"/>
-                </a:solidFill>
-              </a:rPr>
-              <a:t>Démarrage</a:t>
-            </a:r>
-          </a:p>
-        </p:txBody>
-      </p:sp>
-      <p:sp>
-        <p:nvSpPr>
-          <p:cNvPr id="12" name="Rectangle : coins arrondis 11">
-            <a:extLst>
-              <a:ext uri="{FF2B5EF4-FFF2-40B4-BE49-F238E27FC236}">
-                <a16:creationId xmlns:a16="http://schemas.microsoft.com/office/drawing/2014/main" id="{F80D40C4-24CD-4A16-ABB3-1FAC68F6B98F}"/>
-              </a:ext>
-            </a:extLst>
-          </p:cNvPr>
-          <p:cNvSpPr/>
-          <p:nvPr/>
-        </p:nvSpPr>
-        <p:spPr>
-          <a:xfrm>
-            <a:off x="3769567" y="3476153"/>
-            <a:ext cx="1687271" cy="790968"/>
-          </a:xfrm>
-          <a:prstGeom prst="roundRect">
-            <a:avLst/>
-          </a:prstGeom>
-          <a:noFill/>
-          <a:ln w="38100">
-            <a:solidFill>
-              <a:schemeClr val="tx1"/>
-            </a:solidFill>
-          </a:ln>
-        </p:spPr>
-        <p:style>
-          <a:lnRef idx="2">
-            <a:schemeClr val="accent1">
-              <a:shade val="50000"/>
-            </a:schemeClr>
-          </a:lnRef>
-          <a:fillRef idx="1">
-            <a:schemeClr val="accent1"/>
-          </a:fillRef>
-          <a:effectRef idx="0">
-            <a:schemeClr val="accent1"/>
-          </a:effectRef>
-          <a:fontRef idx="minor">
-            <a:schemeClr val="lt1"/>
-          </a:fontRef>
-        </p:style>
-        <p:txBody>
-          <a:bodyPr rtlCol="0" anchor="ctr"/>
-          <a:lstStyle/>
-          <a:p>
-            <a:pPr algn="ctr"/>
-            <a:r>
-              <a:rPr lang="fr-FR" b="1" dirty="0">
-                <a:solidFill>
-                  <a:schemeClr val="tx1"/>
-                </a:solidFill>
-              </a:rPr>
-              <a:t>Affichage HTML</a:t>
-            </a:r>
-          </a:p>
-        </p:txBody>
-      </p:sp>
-      <p:cxnSp>
-        <p:nvCxnSpPr>
-          <p:cNvPr id="14" name="Connecteur droit avec flèche 13">
-            <a:extLst>
-              <a:ext uri="{FF2B5EF4-FFF2-40B4-BE49-F238E27FC236}">
-                <a16:creationId xmlns:a16="http://schemas.microsoft.com/office/drawing/2014/main" id="{576B8BFF-B6B7-4A39-BB0E-29D14D225D5B}"/>
-              </a:ext>
-            </a:extLst>
-          </p:cNvPr>
-          <p:cNvCxnSpPr>
-            <a:cxnSpLocks/>
-            <a:stCxn id="11" idx="2"/>
-            <a:endCxn id="7" idx="0"/>
-          </p:cNvCxnSpPr>
-          <p:nvPr/>
-        </p:nvCxnSpPr>
-        <p:spPr>
-          <a:xfrm>
-            <a:off x="2138151" y="3022519"/>
-            <a:ext cx="1" cy="325757"/>
-          </a:xfrm>
-          <a:prstGeom prst="straightConnector1">
-            <a:avLst/>
-          </a:prstGeom>
-          <a:ln w="38100">
-            <a:solidFill>
-              <a:schemeClr val="tx1"/>
-            </a:solidFill>
-            <a:tailEnd type="triangle"/>
-          </a:ln>
-        </p:spPr>
-        <p:style>
-          <a:lnRef idx="1">
-            <a:schemeClr val="accent1"/>
-          </a:lnRef>
-          <a:fillRef idx="0">
-            <a:schemeClr val="accent1"/>
-          </a:fillRef>
-          <a:effectRef idx="0">
-            <a:schemeClr val="accent1"/>
-          </a:effectRef>
-          <a:fontRef idx="minor">
-            <a:schemeClr val="tx1"/>
-          </a:fontRef>
-        </p:style>
-      </p:cxnSp>
-      <p:cxnSp>
-        <p:nvCxnSpPr>
-          <p:cNvPr id="18" name="Connecteur droit avec flèche 17">
-            <a:extLst>
-              <a:ext uri="{FF2B5EF4-FFF2-40B4-BE49-F238E27FC236}">
-                <a16:creationId xmlns:a16="http://schemas.microsoft.com/office/drawing/2014/main" id="{9FD35F3C-B58D-4A23-90A2-003019129E8D}"/>
-              </a:ext>
-            </a:extLst>
-          </p:cNvPr>
-          <p:cNvCxnSpPr>
-            <a:cxnSpLocks/>
-            <a:stCxn id="7" idx="2"/>
-            <a:endCxn id="9" idx="0"/>
-          </p:cNvCxnSpPr>
-          <p:nvPr/>
-        </p:nvCxnSpPr>
-        <p:spPr>
-          <a:xfrm>
-            <a:off x="2138152" y="4394998"/>
-            <a:ext cx="0" cy="359142"/>
-          </a:xfrm>
-          <a:prstGeom prst="straightConnector1">
-            <a:avLst/>
-          </a:prstGeom>
-          <a:ln w="38100">
-            <a:solidFill>
-              <a:schemeClr val="tx1"/>
-            </a:solidFill>
-            <a:tailEnd type="triangle"/>
-          </a:ln>
-        </p:spPr>
-        <p:style>
-          <a:lnRef idx="1">
-            <a:schemeClr val="accent1"/>
-          </a:lnRef>
-          <a:fillRef idx="0">
-            <a:schemeClr val="accent1"/>
-          </a:fillRef>
-          <a:effectRef idx="0">
-            <a:schemeClr val="accent1"/>
-          </a:effectRef>
-          <a:fontRef idx="minor">
-            <a:schemeClr val="tx1"/>
-          </a:fontRef>
-        </p:style>
-      </p:cxnSp>
-      <p:cxnSp>
-        <p:nvCxnSpPr>
-          <p:cNvPr id="21" name="Connecteur droit avec flèche 20">
-            <a:extLst>
-              <a:ext uri="{FF2B5EF4-FFF2-40B4-BE49-F238E27FC236}">
-                <a16:creationId xmlns:a16="http://schemas.microsoft.com/office/drawing/2014/main" id="{3C66F5E8-2970-49E2-AE7D-371954BA530A}"/>
-              </a:ext>
-            </a:extLst>
-          </p:cNvPr>
-          <p:cNvCxnSpPr>
-            <a:cxnSpLocks/>
-            <a:endCxn id="12" idx="1"/>
-          </p:cNvCxnSpPr>
-          <p:nvPr/>
-        </p:nvCxnSpPr>
-        <p:spPr>
-          <a:xfrm>
-            <a:off x="3254569" y="3871637"/>
-            <a:ext cx="514998" cy="0"/>
-          </a:xfrm>
-          <a:prstGeom prst="straightConnector1">
-            <a:avLst/>
-          </a:prstGeom>
-          <a:ln w="38100">
-            <a:solidFill>
-              <a:schemeClr val="tx1"/>
-            </a:solidFill>
-            <a:tailEnd type="triangle"/>
-          </a:ln>
-        </p:spPr>
-        <p:style>
-          <a:lnRef idx="1">
-            <a:schemeClr val="accent1"/>
-          </a:lnRef>
-          <a:fillRef idx="0">
-            <a:schemeClr val="accent1"/>
-          </a:fillRef>
-          <a:effectRef idx="0">
-            <a:schemeClr val="accent1"/>
-          </a:effectRef>
-          <a:fontRef idx="minor">
-            <a:schemeClr val="tx1"/>
-          </a:fontRef>
-        </p:style>
-      </p:cxnSp>
-      <p:cxnSp>
-        <p:nvCxnSpPr>
-          <p:cNvPr id="24" name="Connecteur droit avec flèche 23">
-            <a:extLst>
-              <a:ext uri="{FF2B5EF4-FFF2-40B4-BE49-F238E27FC236}">
-                <a16:creationId xmlns:a16="http://schemas.microsoft.com/office/drawing/2014/main" id="{5C1F849B-238E-44A3-B018-F77CB8D59943}"/>
-              </a:ext>
-            </a:extLst>
-          </p:cNvPr>
-          <p:cNvCxnSpPr>
-            <a:cxnSpLocks/>
-            <a:stCxn id="9" idx="3"/>
-            <a:endCxn id="6" idx="1"/>
-          </p:cNvCxnSpPr>
-          <p:nvPr/>
-        </p:nvCxnSpPr>
-        <p:spPr>
-          <a:xfrm>
-            <a:off x="3254570" y="5277501"/>
-            <a:ext cx="514997" cy="18984"/>
-          </a:xfrm>
-          <a:prstGeom prst="straightConnector1">
-            <a:avLst/>
-          </a:prstGeom>
-          <a:ln w="38100">
-            <a:solidFill>
-              <a:schemeClr val="tx1"/>
-            </a:solidFill>
-            <a:tailEnd type="triangle"/>
-          </a:ln>
-        </p:spPr>
-        <p:style>
-          <a:lnRef idx="1">
-            <a:schemeClr val="accent1"/>
-          </a:lnRef>
-          <a:fillRef idx="0">
-            <a:schemeClr val="accent1"/>
-          </a:fillRef>
-          <a:effectRef idx="0">
-            <a:schemeClr val="accent1"/>
-          </a:effectRef>
-          <a:fontRef idx="minor">
-            <a:schemeClr val="tx1"/>
-          </a:fontRef>
-        </p:style>
-      </p:cxnSp>
-      <p:sp>
-        <p:nvSpPr>
-          <p:cNvPr id="32" name="Rectangle : coins arrondis 31">
-            <a:extLst>
-              <a:ext uri="{FF2B5EF4-FFF2-40B4-BE49-F238E27FC236}">
-                <a16:creationId xmlns:a16="http://schemas.microsoft.com/office/drawing/2014/main" id="{924B1BF7-869B-4F58-88DD-53515BB5728E}"/>
-              </a:ext>
-            </a:extLst>
-          </p:cNvPr>
-          <p:cNvSpPr/>
-          <p:nvPr/>
-        </p:nvSpPr>
-        <p:spPr>
-          <a:xfrm>
-            <a:off x="392827" y="3185397"/>
-            <a:ext cx="5413590" cy="3299058"/>
-          </a:xfrm>
-          <a:prstGeom prst="roundRect">
-            <a:avLst/>
-          </a:prstGeom>
-          <a:noFill/>
-          <a:ln w="38100">
-            <a:solidFill>
-              <a:schemeClr val="tx1"/>
-            </a:solidFill>
-          </a:ln>
-        </p:spPr>
-        <p:style>
-          <a:lnRef idx="2">
-            <a:schemeClr val="accent1">
-              <a:shade val="50000"/>
-            </a:schemeClr>
-          </a:lnRef>
-          <a:fillRef idx="1">
-            <a:schemeClr val="accent1"/>
-          </a:fillRef>
-          <a:effectRef idx="0">
-            <a:schemeClr val="accent1"/>
-          </a:effectRef>
-          <a:fontRef idx="minor">
-            <a:schemeClr val="lt1"/>
-          </a:fontRef>
-        </p:style>
-        <p:txBody>
-          <a:bodyPr rtlCol="0" anchor="ctr"/>
-          <a:lstStyle/>
-          <a:p>
-            <a:pPr algn="ctr"/>
-            <a:endParaRPr lang="fr-FR"/>
-          </a:p>
-        </p:txBody>
-      </p:sp>
-      <p:sp>
-        <p:nvSpPr>
-          <p:cNvPr id="33" name="ZoneTexte 32">
-            <a:extLst>
-              <a:ext uri="{FF2B5EF4-FFF2-40B4-BE49-F238E27FC236}">
-                <a16:creationId xmlns:a16="http://schemas.microsoft.com/office/drawing/2014/main" id="{B3DF9BCA-9EC5-456B-A9C9-4C30A8B4ECE9}"/>
-              </a:ext>
-            </a:extLst>
-          </p:cNvPr>
-          <p:cNvSpPr txBox="1"/>
-          <p:nvPr/>
-        </p:nvSpPr>
-        <p:spPr>
-          <a:xfrm>
-            <a:off x="557002" y="3239810"/>
-            <a:ext cx="2232837" cy="369332"/>
-          </a:xfrm>
-          <a:prstGeom prst="rect">
-            <a:avLst/>
-          </a:prstGeom>
-          <a:noFill/>
-        </p:spPr>
-        <p:txBody>
-          <a:bodyPr wrap="square" rtlCol="0">
-            <a:spAutoFit/>
-          </a:bodyPr>
-          <a:lstStyle/>
-          <a:p>
-            <a:r>
-              <a:rPr lang="fr-FR" dirty="0"/>
-              <a:t>Loop</a:t>
-            </a:r>
-          </a:p>
-        </p:txBody>
-      </p:sp>
-      <p:cxnSp>
-        <p:nvCxnSpPr>
-          <p:cNvPr id="38" name="Connecteur : en angle 37">
-            <a:extLst>
-              <a:ext uri="{FF2B5EF4-FFF2-40B4-BE49-F238E27FC236}">
-                <a16:creationId xmlns:a16="http://schemas.microsoft.com/office/drawing/2014/main" id="{7BFA27F1-06B4-4C0D-BBFE-094ED84E7905}"/>
-              </a:ext>
-            </a:extLst>
-          </p:cNvPr>
-          <p:cNvCxnSpPr>
-            <a:cxnSpLocks/>
-            <a:stCxn id="6" idx="2"/>
-            <a:endCxn id="32" idx="2"/>
-          </p:cNvCxnSpPr>
-          <p:nvPr/>
-        </p:nvCxnSpPr>
-        <p:spPr>
-          <a:xfrm rot="5400000">
-            <a:off x="3460170" y="5331422"/>
-            <a:ext cx="792486" cy="1513581"/>
-          </a:xfrm>
-          <a:prstGeom prst="bentConnector3">
-            <a:avLst>
-              <a:gd name="adj1" fmla="val 46746"/>
-            </a:avLst>
-          </a:prstGeom>
-          <a:ln w="38100">
-            <a:solidFill>
-              <a:schemeClr val="tx1"/>
-            </a:solidFill>
-            <a:tailEnd type="triangle"/>
-          </a:ln>
-        </p:spPr>
-        <p:style>
-          <a:lnRef idx="1">
-            <a:schemeClr val="accent1"/>
-          </a:lnRef>
-          <a:fillRef idx="0">
-            <a:schemeClr val="accent1"/>
-          </a:fillRef>
-          <a:effectRef idx="0">
-            <a:schemeClr val="accent1"/>
-          </a:effectRef>
-          <a:fontRef idx="minor">
-            <a:schemeClr val="tx1"/>
-          </a:fontRef>
-        </p:style>
-      </p:cxnSp>
-      <p:cxnSp>
-        <p:nvCxnSpPr>
-          <p:cNvPr id="42" name="Connecteur : en angle 41">
-            <a:extLst>
-              <a:ext uri="{FF2B5EF4-FFF2-40B4-BE49-F238E27FC236}">
-                <a16:creationId xmlns:a16="http://schemas.microsoft.com/office/drawing/2014/main" id="{6465DDAC-9C2C-486E-9E43-119DA2DCD80E}"/>
-              </a:ext>
-            </a:extLst>
-          </p:cNvPr>
-          <p:cNvCxnSpPr>
-            <a:cxnSpLocks/>
-          </p:cNvCxnSpPr>
-          <p:nvPr/>
-        </p:nvCxnSpPr>
-        <p:spPr>
-          <a:xfrm flipH="1">
-            <a:off x="3099622" y="3871638"/>
-            <a:ext cx="2357216" cy="2612818"/>
-          </a:xfrm>
-          <a:prstGeom prst="bentConnector4">
-            <a:avLst>
-              <a:gd name="adj1" fmla="val -6546"/>
-              <a:gd name="adj2" fmla="val 83882"/>
-            </a:avLst>
-          </a:prstGeom>
-          <a:ln w="38100">
-            <a:solidFill>
-              <a:schemeClr val="tx1"/>
-            </a:solidFill>
-            <a:tailEnd type="triangle"/>
-          </a:ln>
-        </p:spPr>
-        <p:style>
-          <a:lnRef idx="1">
-            <a:schemeClr val="accent1"/>
-          </a:lnRef>
-          <a:fillRef idx="0">
-            <a:schemeClr val="accent1"/>
-          </a:fillRef>
-          <a:effectRef idx="0">
-            <a:schemeClr val="accent1"/>
-          </a:effectRef>
-          <a:fontRef idx="minor">
-            <a:schemeClr val="tx1"/>
-          </a:fontRef>
-        </p:style>
-      </p:cxnSp>
-      <p:cxnSp>
-        <p:nvCxnSpPr>
-          <p:cNvPr id="48" name="Connecteur : en angle 47">
-            <a:extLst>
-              <a:ext uri="{FF2B5EF4-FFF2-40B4-BE49-F238E27FC236}">
-                <a16:creationId xmlns:a16="http://schemas.microsoft.com/office/drawing/2014/main" id="{2E3DDA7B-9B59-42AF-A16C-664F5E7A0B87}"/>
-              </a:ext>
-            </a:extLst>
-          </p:cNvPr>
-          <p:cNvCxnSpPr>
-            <a:cxnSpLocks/>
-            <a:stCxn id="9" idx="2"/>
-            <a:endCxn id="32" idx="2"/>
-          </p:cNvCxnSpPr>
-          <p:nvPr/>
-        </p:nvCxnSpPr>
-        <p:spPr>
-          <a:xfrm rot="16200000" flipH="1">
-            <a:off x="2277091" y="5661923"/>
-            <a:ext cx="683593" cy="961470"/>
-          </a:xfrm>
-          <a:prstGeom prst="bentConnector3">
-            <a:avLst>
-              <a:gd name="adj1" fmla="val 37994"/>
-            </a:avLst>
-          </a:prstGeom>
-          <a:ln w="38100">
-            <a:solidFill>
-              <a:schemeClr val="tx1"/>
-            </a:solidFill>
-            <a:tailEnd type="triangle"/>
-          </a:ln>
-        </p:spPr>
-        <p:style>
-          <a:lnRef idx="1">
-            <a:schemeClr val="accent1"/>
-          </a:lnRef>
-          <a:fillRef idx="0">
-            <a:schemeClr val="accent1"/>
-          </a:fillRef>
-          <a:effectRef idx="0">
-            <a:schemeClr val="accent1"/>
-          </a:effectRef>
-          <a:fontRef idx="minor">
-            <a:schemeClr val="tx1"/>
-          </a:fontRef>
-        </p:style>
-      </p:cxnSp>
-      <p:sp>
-        <p:nvSpPr>
-          <p:cNvPr id="58" name="ZoneTexte 57">
-            <a:extLst>
-              <a:ext uri="{FF2B5EF4-FFF2-40B4-BE49-F238E27FC236}">
-                <a16:creationId xmlns:a16="http://schemas.microsoft.com/office/drawing/2014/main" id="{B769038C-F7D4-43DB-9E98-655B1851D7F5}"/>
-              </a:ext>
-            </a:extLst>
-          </p:cNvPr>
-          <p:cNvSpPr txBox="1"/>
-          <p:nvPr/>
-        </p:nvSpPr>
-        <p:spPr>
-          <a:xfrm>
-            <a:off x="3170839" y="3524093"/>
-            <a:ext cx="540931" cy="369332"/>
-          </a:xfrm>
-          <a:prstGeom prst="rect">
-            <a:avLst/>
-          </a:prstGeom>
-          <a:noFill/>
-        </p:spPr>
-        <p:txBody>
-          <a:bodyPr wrap="square" rtlCol="0">
-            <a:spAutoFit/>
-          </a:bodyPr>
-          <a:lstStyle/>
-          <a:p>
-            <a:r>
-              <a:rPr lang="fr-FR" dirty="0"/>
-              <a:t>Oui</a:t>
-            </a:r>
-          </a:p>
-        </p:txBody>
-      </p:sp>
-      <p:sp>
-        <p:nvSpPr>
-          <p:cNvPr id="59" name="ZoneTexte 58">
-            <a:extLst>
-              <a:ext uri="{FF2B5EF4-FFF2-40B4-BE49-F238E27FC236}">
-                <a16:creationId xmlns:a16="http://schemas.microsoft.com/office/drawing/2014/main" id="{60AB9A1F-1616-4F59-9943-A4DB8451BFD8}"/>
-              </a:ext>
-            </a:extLst>
-          </p:cNvPr>
-          <p:cNvSpPr txBox="1"/>
-          <p:nvPr/>
-        </p:nvSpPr>
-        <p:spPr>
-          <a:xfrm>
-            <a:off x="3220627" y="4895093"/>
-            <a:ext cx="540931" cy="369332"/>
-          </a:xfrm>
-          <a:prstGeom prst="rect">
-            <a:avLst/>
-          </a:prstGeom>
-          <a:noFill/>
-        </p:spPr>
-        <p:txBody>
-          <a:bodyPr wrap="square" rtlCol="0">
-            <a:spAutoFit/>
-          </a:bodyPr>
-          <a:lstStyle/>
-          <a:p>
-            <a:r>
-              <a:rPr lang="fr-FR" dirty="0"/>
-              <a:t>Oui</a:t>
-            </a:r>
-          </a:p>
-        </p:txBody>
-      </p:sp>
-      <p:sp>
-        <p:nvSpPr>
-          <p:cNvPr id="60" name="ZoneTexte 59">
-            <a:extLst>
-              <a:ext uri="{FF2B5EF4-FFF2-40B4-BE49-F238E27FC236}">
-                <a16:creationId xmlns:a16="http://schemas.microsoft.com/office/drawing/2014/main" id="{CA08CB04-C0F7-43F6-B559-3D230800BF1B}"/>
-              </a:ext>
-            </a:extLst>
-          </p:cNvPr>
-          <p:cNvSpPr txBox="1"/>
-          <p:nvPr/>
-        </p:nvSpPr>
-        <p:spPr>
-          <a:xfrm>
-            <a:off x="2138150" y="4354690"/>
-            <a:ext cx="625277" cy="369332"/>
-          </a:xfrm>
-          <a:prstGeom prst="rect">
-            <a:avLst/>
-          </a:prstGeom>
-          <a:noFill/>
-        </p:spPr>
-        <p:txBody>
-          <a:bodyPr wrap="square" rtlCol="0">
-            <a:spAutoFit/>
-          </a:bodyPr>
-          <a:lstStyle/>
-          <a:p>
-            <a:r>
-              <a:rPr lang="fr-FR" dirty="0"/>
-              <a:t>Non</a:t>
-            </a:r>
-          </a:p>
-        </p:txBody>
-      </p:sp>
-      <p:sp>
-        <p:nvSpPr>
-          <p:cNvPr id="61" name="ZoneTexte 60">
-            <a:extLst>
-              <a:ext uri="{FF2B5EF4-FFF2-40B4-BE49-F238E27FC236}">
-                <a16:creationId xmlns:a16="http://schemas.microsoft.com/office/drawing/2014/main" id="{1BD40F9D-8368-4D14-AD83-1010E48CE290}"/>
-              </a:ext>
-            </a:extLst>
-          </p:cNvPr>
-          <p:cNvSpPr txBox="1"/>
-          <p:nvPr/>
-        </p:nvSpPr>
-        <p:spPr>
-          <a:xfrm>
-            <a:off x="2138149" y="5691969"/>
-            <a:ext cx="625277" cy="369332"/>
-          </a:xfrm>
-          <a:prstGeom prst="rect">
-            <a:avLst/>
-          </a:prstGeom>
-          <a:noFill/>
-        </p:spPr>
-        <p:txBody>
-          <a:bodyPr wrap="square" rtlCol="0">
-            <a:spAutoFit/>
-          </a:bodyPr>
-          <a:lstStyle/>
-          <a:p>
-            <a:r>
-              <a:rPr lang="fr-FR" dirty="0"/>
-              <a:t>Non</a:t>
-            </a:r>
-          </a:p>
-        </p:txBody>
-      </p:sp>
-      <p:pic>
-        <p:nvPicPr>
-          <p:cNvPr id="64" name="Image 63" descr="Une image contenant texte, équipement électronique, circuit&#10;&#10;Description générée automatiquement">
-            <a:extLst>
-              <a:ext uri="{FF2B5EF4-FFF2-40B4-BE49-F238E27FC236}">
-                <a16:creationId xmlns:a16="http://schemas.microsoft.com/office/drawing/2014/main" id="{31B20C20-F9A7-481C-8ADF-12D66F8EFAD9}"/>
-              </a:ext>
-            </a:extLst>
-          </p:cNvPr>
-          <p:cNvPicPr>
-            <a:picLocks noChangeAspect="1"/>
-          </p:cNvPicPr>
-          <p:nvPr/>
-        </p:nvPicPr>
-        <p:blipFill>
-          <a:blip r:embed="rId2">
-            <a:extLst>
-              <a:ext uri="{28A0092B-C50C-407E-A947-70E740481C1C}">
-                <a14:useLocalDpi xmlns:a14="http://schemas.microsoft.com/office/drawing/2010/main" val="0"/>
-              </a:ext>
-            </a:extLst>
-          </a:blip>
-          <a:srcRect/>
-          <a:stretch>
-            <a:fillRect/>
-          </a:stretch>
-        </p:blipFill>
-        <p:spPr bwMode="auto">
-          <a:xfrm>
-            <a:off x="6003783" y="3599352"/>
-            <a:ext cx="5760720" cy="2807970"/>
-          </a:xfrm>
-          <a:prstGeom prst="rect">
-            <a:avLst/>
-          </a:prstGeom>
-          <a:noFill/>
-          <a:ln>
-            <a:noFill/>
-          </a:ln>
-        </p:spPr>
-      </p:pic>
-      <p:pic>
-        <p:nvPicPr>
-          <p:cNvPr id="65" name="Image 64">
-            <a:extLst>
-              <a:ext uri="{FF2B5EF4-FFF2-40B4-BE49-F238E27FC236}">
-                <a16:creationId xmlns:a16="http://schemas.microsoft.com/office/drawing/2014/main" id="{BF7544FB-25D8-46E2-9BD4-2FDF4AB62C62}"/>
-              </a:ext>
-            </a:extLst>
-          </p:cNvPr>
-          <p:cNvPicPr>
-            <a:picLocks noChangeAspect="1"/>
-          </p:cNvPicPr>
-          <p:nvPr/>
-        </p:nvPicPr>
-        <p:blipFill>
-          <a:blip r:embed="rId3"/>
-          <a:stretch>
-            <a:fillRect/>
-          </a:stretch>
-        </p:blipFill>
-        <p:spPr>
-          <a:xfrm>
-            <a:off x="6922835" y="161505"/>
-            <a:ext cx="3633660" cy="3120673"/>
-          </a:xfrm>
-          <a:prstGeom prst="rect">
-            <a:avLst/>
-          </a:prstGeom>
-        </p:spPr>
-      </p:pic>
-    </p:spTree>
-    <p:extLst>
-      <p:ext uri="{BB962C8B-B14F-4D97-AF65-F5344CB8AC3E}">
-        <p14:creationId xmlns:p14="http://schemas.microsoft.com/office/powerpoint/2010/main" val="4255205261"/>
-      </p:ext>
-    </p:extLst>
-  </p:cSld>
-  <p:clrMapOvr>
-    <a:masterClrMapping/>
-  </p:clrMapOvr>
-</p:sld>
-</file>
-
-<file path=ppt/slides/slide7.xml><?xml version="1.0" encoding="utf-8"?>
-<p:sld xmlns:a="http://schemas.openxmlformats.org/drawingml/2006/main" xmlns:r="http://schemas.openxmlformats.org/officeDocument/2006/relationships" xmlns:p="http://schemas.openxmlformats.org/presentationml/2006/main">
-  <p:cSld>
-    <p:spTree>
-      <p:nvGrpSpPr>
-        <p:cNvPr id="1" name=""/>
-        <p:cNvGrpSpPr/>
-        <p:nvPr/>
-      </p:nvGrpSpPr>
-      <p:grpSpPr>
-        <a:xfrm>
-          <a:off x="0" y="0"/>
-          <a:ext cx="0" cy="0"/>
-          <a:chOff x="0" y="0"/>
-          <a:chExt cx="0" cy="0"/>
-        </a:xfrm>
-      </p:grpSpPr>
-      <p:sp>
-        <p:nvSpPr>
-          <p:cNvPr id="2" name="Titre 1">
-            <a:extLst>
-              <a:ext uri="{FF2B5EF4-FFF2-40B4-BE49-F238E27FC236}">
                 <a16:creationId xmlns:a16="http://schemas.microsoft.com/office/drawing/2014/main" id="{A5BF8DAD-25F1-4586-AAE0-B0EF065954C0}"/>
               </a:ext>
             </a:extLst>
@@ -9172,6 +9407,89 @@
           <a:xfrm>
             <a:off x="9965035" y="1277129"/>
             <a:ext cx="432000" cy="432000"/>
+          </a:xfrm>
+          <a:prstGeom prst="rect">
+            <a:avLst/>
+          </a:prstGeom>
+        </p:spPr>
+      </p:pic>
+      <p:pic>
+        <p:nvPicPr>
+          <p:cNvPr id="1026" name="Picture 2" descr="Cartes de développement STM32 Nucleo - STMicro | Mouser">
+            <a:extLst>
+              <a:ext uri="{FF2B5EF4-FFF2-40B4-BE49-F238E27FC236}">
+                <a16:creationId xmlns:a16="http://schemas.microsoft.com/office/drawing/2014/main" id="{6CF9C163-2EB9-D7B4-8B59-A8A1E25482EC}"/>
+              </a:ext>
+            </a:extLst>
+          </p:cNvPr>
+          <p:cNvPicPr>
+            <a:picLocks noChangeAspect="1" noChangeArrowheads="1"/>
+          </p:cNvPicPr>
+          <p:nvPr/>
+        </p:nvPicPr>
+        <p:blipFill>
+          <a:blip r:embed="rId6">
+            <a:extLst>
+              <a:ext uri="{28A0092B-C50C-407E-A947-70E740481C1C}">
+                <a14:useLocalDpi xmlns:a14="http://schemas.microsoft.com/office/drawing/2010/main" val="0"/>
+              </a:ext>
+            </a:extLst>
+          </a:blip>
+          <a:srcRect/>
+          <a:stretch>
+            <a:fillRect/>
+          </a:stretch>
+        </p:blipFill>
+        <p:spPr bwMode="auto">
+          <a:xfrm>
+            <a:off x="317500" y="1891336"/>
+            <a:ext cx="5715000" cy="4152900"/>
+          </a:xfrm>
+          <a:prstGeom prst="rect">
+            <a:avLst/>
+          </a:prstGeom>
+          <a:noFill/>
+          <a:extLst>
+            <a:ext uri="{909E8E84-426E-40DD-AFC4-6F175D3DCCD1}">
+              <a14:hiddenFill xmlns:a14="http://schemas.microsoft.com/office/drawing/2010/main">
+                <a:solidFill>
+                  <a:srgbClr val="FFFFFF"/>
+                </a:solidFill>
+              </a14:hiddenFill>
+            </a:ext>
+          </a:extLst>
+        </p:spPr>
+      </p:pic>
+      <p:pic>
+        <p:nvPicPr>
+          <p:cNvPr id="11" name="Image 10">
+            <a:extLst>
+              <a:ext uri="{FF2B5EF4-FFF2-40B4-BE49-F238E27FC236}">
+                <a16:creationId xmlns:a16="http://schemas.microsoft.com/office/drawing/2014/main" id="{61159FD5-5EDB-F9C6-52AB-CA102FE1EBA9}"/>
+              </a:ext>
+            </a:extLst>
+          </p:cNvPr>
+          <p:cNvPicPr>
+            <a:picLocks noChangeAspect="1"/>
+          </p:cNvPicPr>
+          <p:nvPr/>
+        </p:nvPicPr>
+        <p:blipFill>
+          <a:blip r:embed="rId7">
+            <a:extLst>
+              <a:ext uri="{28A0092B-C50C-407E-A947-70E740481C1C}">
+                <a14:useLocalDpi xmlns:a14="http://schemas.microsoft.com/office/drawing/2010/main" val="0"/>
+              </a:ext>
+            </a:extLst>
+          </a:blip>
+          <a:stretch>
+            <a:fillRect/>
+          </a:stretch>
+        </p:blipFill>
+        <p:spPr>
+          <a:xfrm>
+            <a:off x="10045816" y="4592724"/>
+            <a:ext cx="425450" cy="425450"/>
           </a:xfrm>
           <a:prstGeom prst="rect">
             <a:avLst/>
@@ -9529,6 +9847,1044 @@
 </p:sld>
 </file>
 
+<file path=ppt/slides/slide7.xml><?xml version="1.0" encoding="utf-8"?>
+<p:sld xmlns:a="http://schemas.openxmlformats.org/drawingml/2006/main" xmlns:r="http://schemas.openxmlformats.org/officeDocument/2006/relationships" xmlns:p="http://schemas.openxmlformats.org/presentationml/2006/main">
+  <p:cSld>
+    <p:spTree>
+      <p:nvGrpSpPr>
+        <p:cNvPr id="1" name=""/>
+        <p:cNvGrpSpPr/>
+        <p:nvPr/>
+      </p:nvGrpSpPr>
+      <p:grpSpPr>
+        <a:xfrm>
+          <a:off x="0" y="0"/>
+          <a:ext cx="0" cy="0"/>
+          <a:chOff x="0" y="0"/>
+          <a:chExt cx="0" cy="0"/>
+        </a:xfrm>
+      </p:grpSpPr>
+      <p:sp>
+        <p:nvSpPr>
+          <p:cNvPr id="2" name="Titre 1">
+            <a:extLst>
+              <a:ext uri="{FF2B5EF4-FFF2-40B4-BE49-F238E27FC236}">
+                <a16:creationId xmlns:a16="http://schemas.microsoft.com/office/drawing/2014/main" id="{784336C2-0028-4952-BF7D-8512CED1A26C}"/>
+              </a:ext>
+            </a:extLst>
+          </p:cNvPr>
+          <p:cNvSpPr>
+            <a:spLocks noGrp="1"/>
+          </p:cNvSpPr>
+          <p:nvPr>
+            <p:ph type="title"/>
+          </p:nvPr>
+        </p:nvSpPr>
+        <p:spPr>
+          <a:xfrm>
+            <a:off x="517869" y="978408"/>
+            <a:ext cx="5990881" cy="1753199"/>
+          </a:xfrm>
+        </p:spPr>
+        <p:txBody>
+          <a:bodyPr/>
+          <a:lstStyle/>
+          <a:p>
+            <a:r>
+              <a:rPr lang="fr-FR" dirty="0"/>
+              <a:t>Ethernet Arduino</a:t>
+            </a:r>
+          </a:p>
+        </p:txBody>
+      </p:sp>
+      <p:sp>
+        <p:nvSpPr>
+          <p:cNvPr id="6" name="Rectangle : coins arrondis 5">
+            <a:extLst>
+              <a:ext uri="{FF2B5EF4-FFF2-40B4-BE49-F238E27FC236}">
+                <a16:creationId xmlns:a16="http://schemas.microsoft.com/office/drawing/2014/main" id="{87A8CFEA-D31F-482B-8D3E-1F1DA832CA50}"/>
+              </a:ext>
+            </a:extLst>
+          </p:cNvPr>
+          <p:cNvSpPr/>
+          <p:nvPr/>
+        </p:nvSpPr>
+        <p:spPr>
+          <a:xfrm>
+            <a:off x="3769567" y="4901001"/>
+            <a:ext cx="1687271" cy="790968"/>
+          </a:xfrm>
+          <a:prstGeom prst="roundRect">
+            <a:avLst/>
+          </a:prstGeom>
+          <a:noFill/>
+          <a:ln w="38100">
+            <a:solidFill>
+              <a:schemeClr val="tx1"/>
+            </a:solidFill>
+          </a:ln>
+        </p:spPr>
+        <p:style>
+          <a:lnRef idx="2">
+            <a:schemeClr val="accent1">
+              <a:shade val="50000"/>
+            </a:schemeClr>
+          </a:lnRef>
+          <a:fillRef idx="1">
+            <a:schemeClr val="accent1"/>
+          </a:fillRef>
+          <a:effectRef idx="0">
+            <a:schemeClr val="accent1"/>
+          </a:effectRef>
+          <a:fontRef idx="minor">
+            <a:schemeClr val="lt1"/>
+          </a:fontRef>
+        </p:style>
+        <p:txBody>
+          <a:bodyPr rtlCol="0" anchor="ctr"/>
+          <a:lstStyle/>
+          <a:p>
+            <a:pPr algn="ctr"/>
+            <a:r>
+              <a:rPr lang="fr-FR" b="1" dirty="0">
+                <a:solidFill>
+                  <a:schemeClr val="tx1"/>
+                </a:solidFill>
+              </a:rPr>
+              <a:t>Mise à jour des données</a:t>
+            </a:r>
+          </a:p>
+        </p:txBody>
+      </p:sp>
+      <p:sp>
+        <p:nvSpPr>
+          <p:cNvPr id="7" name="Losange 6">
+            <a:extLst>
+              <a:ext uri="{FF2B5EF4-FFF2-40B4-BE49-F238E27FC236}">
+                <a16:creationId xmlns:a16="http://schemas.microsoft.com/office/drawing/2014/main" id="{A4AEF731-41BE-4F94-A642-537C66F826EB}"/>
+              </a:ext>
+            </a:extLst>
+          </p:cNvPr>
+          <p:cNvSpPr/>
+          <p:nvPr/>
+        </p:nvSpPr>
+        <p:spPr>
+          <a:xfrm>
+            <a:off x="1021733" y="3348276"/>
+            <a:ext cx="2232837" cy="1046722"/>
+          </a:xfrm>
+          <a:prstGeom prst="diamond">
+            <a:avLst/>
+          </a:prstGeom>
+          <a:noFill/>
+          <a:ln w="38100">
+            <a:solidFill>
+              <a:schemeClr val="tx1"/>
+            </a:solidFill>
+          </a:ln>
+        </p:spPr>
+        <p:style>
+          <a:lnRef idx="2">
+            <a:schemeClr val="accent1">
+              <a:shade val="50000"/>
+            </a:schemeClr>
+          </a:lnRef>
+          <a:fillRef idx="1">
+            <a:schemeClr val="accent1"/>
+          </a:fillRef>
+          <a:effectRef idx="0">
+            <a:schemeClr val="accent1"/>
+          </a:effectRef>
+          <a:fontRef idx="minor">
+            <a:schemeClr val="lt1"/>
+          </a:fontRef>
+        </p:style>
+        <p:txBody>
+          <a:bodyPr rtlCol="0" anchor="ctr"/>
+          <a:lstStyle/>
+          <a:p>
+            <a:pPr algn="ctr"/>
+            <a:endParaRPr lang="fr-FR"/>
+          </a:p>
+        </p:txBody>
+      </p:sp>
+      <p:sp>
+        <p:nvSpPr>
+          <p:cNvPr id="8" name="ZoneTexte 7">
+            <a:extLst>
+              <a:ext uri="{FF2B5EF4-FFF2-40B4-BE49-F238E27FC236}">
+                <a16:creationId xmlns:a16="http://schemas.microsoft.com/office/drawing/2014/main" id="{314B901E-AE7F-430C-9077-ED4219375472}"/>
+              </a:ext>
+            </a:extLst>
+          </p:cNvPr>
+          <p:cNvSpPr txBox="1"/>
+          <p:nvPr/>
+        </p:nvSpPr>
+        <p:spPr>
+          <a:xfrm>
+            <a:off x="1250333" y="3686971"/>
+            <a:ext cx="2232837" cy="369332"/>
+          </a:xfrm>
+          <a:prstGeom prst="rect">
+            <a:avLst/>
+          </a:prstGeom>
+          <a:noFill/>
+        </p:spPr>
+        <p:txBody>
+          <a:bodyPr wrap="square" rtlCol="0">
+            <a:spAutoFit/>
+          </a:bodyPr>
+          <a:lstStyle/>
+          <a:p>
+            <a:r>
+              <a:rPr lang="fr-FR" dirty="0"/>
+              <a:t>Client disponible</a:t>
+            </a:r>
+          </a:p>
+        </p:txBody>
+      </p:sp>
+      <p:sp>
+        <p:nvSpPr>
+          <p:cNvPr id="9" name="Losange 8">
+            <a:extLst>
+              <a:ext uri="{FF2B5EF4-FFF2-40B4-BE49-F238E27FC236}">
+                <a16:creationId xmlns:a16="http://schemas.microsoft.com/office/drawing/2014/main" id="{B0EED8A5-D5EC-4FAD-AA1D-C4E34A40B275}"/>
+              </a:ext>
+            </a:extLst>
+          </p:cNvPr>
+          <p:cNvSpPr/>
+          <p:nvPr/>
+        </p:nvSpPr>
+        <p:spPr>
+          <a:xfrm>
+            <a:off x="1021733" y="4754140"/>
+            <a:ext cx="2232837" cy="1046722"/>
+          </a:xfrm>
+          <a:prstGeom prst="diamond">
+            <a:avLst/>
+          </a:prstGeom>
+          <a:noFill/>
+          <a:ln w="38100">
+            <a:solidFill>
+              <a:schemeClr val="tx1"/>
+            </a:solidFill>
+          </a:ln>
+        </p:spPr>
+        <p:style>
+          <a:lnRef idx="2">
+            <a:schemeClr val="accent1">
+              <a:shade val="50000"/>
+            </a:schemeClr>
+          </a:lnRef>
+          <a:fillRef idx="1">
+            <a:schemeClr val="accent1"/>
+          </a:fillRef>
+          <a:effectRef idx="0">
+            <a:schemeClr val="accent1"/>
+          </a:effectRef>
+          <a:fontRef idx="minor">
+            <a:schemeClr val="lt1"/>
+          </a:fontRef>
+        </p:style>
+        <p:txBody>
+          <a:bodyPr rtlCol="0" anchor="ctr"/>
+          <a:lstStyle/>
+          <a:p>
+            <a:pPr algn="ctr"/>
+            <a:endParaRPr lang="fr-FR"/>
+          </a:p>
+        </p:txBody>
+      </p:sp>
+      <p:sp>
+        <p:nvSpPr>
+          <p:cNvPr id="10" name="ZoneTexte 9">
+            <a:extLst>
+              <a:ext uri="{FF2B5EF4-FFF2-40B4-BE49-F238E27FC236}">
+                <a16:creationId xmlns:a16="http://schemas.microsoft.com/office/drawing/2014/main" id="{92916B43-D1E9-471F-B12A-F7747460101C}"/>
+              </a:ext>
+            </a:extLst>
+          </p:cNvPr>
+          <p:cNvSpPr txBox="1"/>
+          <p:nvPr/>
+        </p:nvSpPr>
+        <p:spPr>
+          <a:xfrm>
+            <a:off x="1267730" y="5092835"/>
+            <a:ext cx="1944887" cy="369332"/>
+          </a:xfrm>
+          <a:prstGeom prst="rect">
+            <a:avLst/>
+          </a:prstGeom>
+          <a:noFill/>
+        </p:spPr>
+        <p:txBody>
+          <a:bodyPr wrap="square" rtlCol="0">
+            <a:spAutoFit/>
+          </a:bodyPr>
+          <a:lstStyle/>
+          <a:p>
+            <a:r>
+              <a:rPr lang="fr-FR" dirty="0"/>
+              <a:t>Données UART</a:t>
+            </a:r>
+          </a:p>
+        </p:txBody>
+      </p:sp>
+      <p:sp>
+        <p:nvSpPr>
+          <p:cNvPr id="11" name="Rectangle : coins arrondis 10">
+            <a:extLst>
+              <a:ext uri="{FF2B5EF4-FFF2-40B4-BE49-F238E27FC236}">
+                <a16:creationId xmlns:a16="http://schemas.microsoft.com/office/drawing/2014/main" id="{A3E40FDA-7261-4B64-9945-BB4B58F21226}"/>
+              </a:ext>
+            </a:extLst>
+          </p:cNvPr>
+          <p:cNvSpPr/>
+          <p:nvPr/>
+        </p:nvSpPr>
+        <p:spPr>
+          <a:xfrm>
+            <a:off x="1021732" y="1975797"/>
+            <a:ext cx="2232837" cy="1046722"/>
+          </a:xfrm>
+          <a:prstGeom prst="roundRect">
+            <a:avLst/>
+          </a:prstGeom>
+          <a:noFill/>
+          <a:ln w="38100">
+            <a:solidFill>
+              <a:schemeClr val="tx1"/>
+            </a:solidFill>
+          </a:ln>
+        </p:spPr>
+        <p:style>
+          <a:lnRef idx="2">
+            <a:schemeClr val="accent1">
+              <a:shade val="50000"/>
+            </a:schemeClr>
+          </a:lnRef>
+          <a:fillRef idx="1">
+            <a:schemeClr val="accent1"/>
+          </a:fillRef>
+          <a:effectRef idx="0">
+            <a:schemeClr val="accent1"/>
+          </a:effectRef>
+          <a:fontRef idx="minor">
+            <a:schemeClr val="lt1"/>
+          </a:fontRef>
+        </p:style>
+        <p:txBody>
+          <a:bodyPr rtlCol="0" anchor="ctr"/>
+          <a:lstStyle/>
+          <a:p>
+            <a:pPr algn="ctr"/>
+            <a:r>
+              <a:rPr lang="fr-FR" b="1" dirty="0">
+                <a:solidFill>
+                  <a:schemeClr val="tx1"/>
+                </a:solidFill>
+              </a:rPr>
+              <a:t>Démarrage</a:t>
+            </a:r>
+          </a:p>
+        </p:txBody>
+      </p:sp>
+      <p:sp>
+        <p:nvSpPr>
+          <p:cNvPr id="12" name="Rectangle : coins arrondis 11">
+            <a:extLst>
+              <a:ext uri="{FF2B5EF4-FFF2-40B4-BE49-F238E27FC236}">
+                <a16:creationId xmlns:a16="http://schemas.microsoft.com/office/drawing/2014/main" id="{F80D40C4-24CD-4A16-ABB3-1FAC68F6B98F}"/>
+              </a:ext>
+            </a:extLst>
+          </p:cNvPr>
+          <p:cNvSpPr/>
+          <p:nvPr/>
+        </p:nvSpPr>
+        <p:spPr>
+          <a:xfrm>
+            <a:off x="3769567" y="3476153"/>
+            <a:ext cx="1687271" cy="790968"/>
+          </a:xfrm>
+          <a:prstGeom prst="roundRect">
+            <a:avLst/>
+          </a:prstGeom>
+          <a:noFill/>
+          <a:ln w="38100">
+            <a:solidFill>
+              <a:schemeClr val="tx1"/>
+            </a:solidFill>
+          </a:ln>
+        </p:spPr>
+        <p:style>
+          <a:lnRef idx="2">
+            <a:schemeClr val="accent1">
+              <a:shade val="50000"/>
+            </a:schemeClr>
+          </a:lnRef>
+          <a:fillRef idx="1">
+            <a:schemeClr val="accent1"/>
+          </a:fillRef>
+          <a:effectRef idx="0">
+            <a:schemeClr val="accent1"/>
+          </a:effectRef>
+          <a:fontRef idx="minor">
+            <a:schemeClr val="lt1"/>
+          </a:fontRef>
+        </p:style>
+        <p:txBody>
+          <a:bodyPr rtlCol="0" anchor="ctr"/>
+          <a:lstStyle/>
+          <a:p>
+            <a:pPr algn="ctr"/>
+            <a:r>
+              <a:rPr lang="fr-FR" b="1" dirty="0">
+                <a:solidFill>
+                  <a:schemeClr val="tx1"/>
+                </a:solidFill>
+              </a:rPr>
+              <a:t>Affichage HTML</a:t>
+            </a:r>
+          </a:p>
+        </p:txBody>
+      </p:sp>
+      <p:cxnSp>
+        <p:nvCxnSpPr>
+          <p:cNvPr id="14" name="Connecteur droit avec flèche 13">
+            <a:extLst>
+              <a:ext uri="{FF2B5EF4-FFF2-40B4-BE49-F238E27FC236}">
+                <a16:creationId xmlns:a16="http://schemas.microsoft.com/office/drawing/2014/main" id="{576B8BFF-B6B7-4A39-BB0E-29D14D225D5B}"/>
+              </a:ext>
+            </a:extLst>
+          </p:cNvPr>
+          <p:cNvCxnSpPr>
+            <a:cxnSpLocks/>
+            <a:stCxn id="11" idx="2"/>
+            <a:endCxn id="7" idx="0"/>
+          </p:cNvCxnSpPr>
+          <p:nvPr/>
+        </p:nvCxnSpPr>
+        <p:spPr>
+          <a:xfrm>
+            <a:off x="2138151" y="3022519"/>
+            <a:ext cx="1" cy="325757"/>
+          </a:xfrm>
+          <a:prstGeom prst="straightConnector1">
+            <a:avLst/>
+          </a:prstGeom>
+          <a:ln w="38100">
+            <a:solidFill>
+              <a:schemeClr val="tx1"/>
+            </a:solidFill>
+            <a:tailEnd type="triangle"/>
+          </a:ln>
+        </p:spPr>
+        <p:style>
+          <a:lnRef idx="1">
+            <a:schemeClr val="accent1"/>
+          </a:lnRef>
+          <a:fillRef idx="0">
+            <a:schemeClr val="accent1"/>
+          </a:fillRef>
+          <a:effectRef idx="0">
+            <a:schemeClr val="accent1"/>
+          </a:effectRef>
+          <a:fontRef idx="minor">
+            <a:schemeClr val="tx1"/>
+          </a:fontRef>
+        </p:style>
+      </p:cxnSp>
+      <p:cxnSp>
+        <p:nvCxnSpPr>
+          <p:cNvPr id="18" name="Connecteur droit avec flèche 17">
+            <a:extLst>
+              <a:ext uri="{FF2B5EF4-FFF2-40B4-BE49-F238E27FC236}">
+                <a16:creationId xmlns:a16="http://schemas.microsoft.com/office/drawing/2014/main" id="{9FD35F3C-B58D-4A23-90A2-003019129E8D}"/>
+              </a:ext>
+            </a:extLst>
+          </p:cNvPr>
+          <p:cNvCxnSpPr>
+            <a:cxnSpLocks/>
+            <a:stCxn id="7" idx="2"/>
+            <a:endCxn id="9" idx="0"/>
+          </p:cNvCxnSpPr>
+          <p:nvPr/>
+        </p:nvCxnSpPr>
+        <p:spPr>
+          <a:xfrm>
+            <a:off x="2138152" y="4394998"/>
+            <a:ext cx="0" cy="359142"/>
+          </a:xfrm>
+          <a:prstGeom prst="straightConnector1">
+            <a:avLst/>
+          </a:prstGeom>
+          <a:ln w="38100">
+            <a:solidFill>
+              <a:schemeClr val="tx1"/>
+            </a:solidFill>
+            <a:tailEnd type="triangle"/>
+          </a:ln>
+        </p:spPr>
+        <p:style>
+          <a:lnRef idx="1">
+            <a:schemeClr val="accent1"/>
+          </a:lnRef>
+          <a:fillRef idx="0">
+            <a:schemeClr val="accent1"/>
+          </a:fillRef>
+          <a:effectRef idx="0">
+            <a:schemeClr val="accent1"/>
+          </a:effectRef>
+          <a:fontRef idx="minor">
+            <a:schemeClr val="tx1"/>
+          </a:fontRef>
+        </p:style>
+      </p:cxnSp>
+      <p:cxnSp>
+        <p:nvCxnSpPr>
+          <p:cNvPr id="21" name="Connecteur droit avec flèche 20">
+            <a:extLst>
+              <a:ext uri="{FF2B5EF4-FFF2-40B4-BE49-F238E27FC236}">
+                <a16:creationId xmlns:a16="http://schemas.microsoft.com/office/drawing/2014/main" id="{3C66F5E8-2970-49E2-AE7D-371954BA530A}"/>
+              </a:ext>
+            </a:extLst>
+          </p:cNvPr>
+          <p:cNvCxnSpPr>
+            <a:cxnSpLocks/>
+            <a:endCxn id="12" idx="1"/>
+          </p:cNvCxnSpPr>
+          <p:nvPr/>
+        </p:nvCxnSpPr>
+        <p:spPr>
+          <a:xfrm>
+            <a:off x="3254569" y="3871637"/>
+            <a:ext cx="514998" cy="0"/>
+          </a:xfrm>
+          <a:prstGeom prst="straightConnector1">
+            <a:avLst/>
+          </a:prstGeom>
+          <a:ln w="38100">
+            <a:solidFill>
+              <a:schemeClr val="tx1"/>
+            </a:solidFill>
+            <a:tailEnd type="triangle"/>
+          </a:ln>
+        </p:spPr>
+        <p:style>
+          <a:lnRef idx="1">
+            <a:schemeClr val="accent1"/>
+          </a:lnRef>
+          <a:fillRef idx="0">
+            <a:schemeClr val="accent1"/>
+          </a:fillRef>
+          <a:effectRef idx="0">
+            <a:schemeClr val="accent1"/>
+          </a:effectRef>
+          <a:fontRef idx="minor">
+            <a:schemeClr val="tx1"/>
+          </a:fontRef>
+        </p:style>
+      </p:cxnSp>
+      <p:cxnSp>
+        <p:nvCxnSpPr>
+          <p:cNvPr id="24" name="Connecteur droit avec flèche 23">
+            <a:extLst>
+              <a:ext uri="{FF2B5EF4-FFF2-40B4-BE49-F238E27FC236}">
+                <a16:creationId xmlns:a16="http://schemas.microsoft.com/office/drawing/2014/main" id="{5C1F849B-238E-44A3-B018-F77CB8D59943}"/>
+              </a:ext>
+            </a:extLst>
+          </p:cNvPr>
+          <p:cNvCxnSpPr>
+            <a:cxnSpLocks/>
+            <a:stCxn id="9" idx="3"/>
+            <a:endCxn id="6" idx="1"/>
+          </p:cNvCxnSpPr>
+          <p:nvPr/>
+        </p:nvCxnSpPr>
+        <p:spPr>
+          <a:xfrm>
+            <a:off x="3254570" y="5277501"/>
+            <a:ext cx="514997" cy="18984"/>
+          </a:xfrm>
+          <a:prstGeom prst="straightConnector1">
+            <a:avLst/>
+          </a:prstGeom>
+          <a:ln w="38100">
+            <a:solidFill>
+              <a:schemeClr val="tx1"/>
+            </a:solidFill>
+            <a:tailEnd type="triangle"/>
+          </a:ln>
+        </p:spPr>
+        <p:style>
+          <a:lnRef idx="1">
+            <a:schemeClr val="accent1"/>
+          </a:lnRef>
+          <a:fillRef idx="0">
+            <a:schemeClr val="accent1"/>
+          </a:fillRef>
+          <a:effectRef idx="0">
+            <a:schemeClr val="accent1"/>
+          </a:effectRef>
+          <a:fontRef idx="minor">
+            <a:schemeClr val="tx1"/>
+          </a:fontRef>
+        </p:style>
+      </p:cxnSp>
+      <p:sp>
+        <p:nvSpPr>
+          <p:cNvPr id="32" name="Rectangle : coins arrondis 31">
+            <a:extLst>
+              <a:ext uri="{FF2B5EF4-FFF2-40B4-BE49-F238E27FC236}">
+                <a16:creationId xmlns:a16="http://schemas.microsoft.com/office/drawing/2014/main" id="{924B1BF7-869B-4F58-88DD-53515BB5728E}"/>
+              </a:ext>
+            </a:extLst>
+          </p:cNvPr>
+          <p:cNvSpPr/>
+          <p:nvPr/>
+        </p:nvSpPr>
+        <p:spPr>
+          <a:xfrm>
+            <a:off x="392827" y="3185397"/>
+            <a:ext cx="5413590" cy="3299058"/>
+          </a:xfrm>
+          <a:prstGeom prst="roundRect">
+            <a:avLst/>
+          </a:prstGeom>
+          <a:noFill/>
+          <a:ln w="38100">
+            <a:solidFill>
+              <a:schemeClr val="tx1"/>
+            </a:solidFill>
+          </a:ln>
+        </p:spPr>
+        <p:style>
+          <a:lnRef idx="2">
+            <a:schemeClr val="accent1">
+              <a:shade val="50000"/>
+            </a:schemeClr>
+          </a:lnRef>
+          <a:fillRef idx="1">
+            <a:schemeClr val="accent1"/>
+          </a:fillRef>
+          <a:effectRef idx="0">
+            <a:schemeClr val="accent1"/>
+          </a:effectRef>
+          <a:fontRef idx="minor">
+            <a:schemeClr val="lt1"/>
+          </a:fontRef>
+        </p:style>
+        <p:txBody>
+          <a:bodyPr rtlCol="0" anchor="ctr"/>
+          <a:lstStyle/>
+          <a:p>
+            <a:pPr algn="ctr"/>
+            <a:endParaRPr lang="fr-FR"/>
+          </a:p>
+        </p:txBody>
+      </p:sp>
+      <p:sp>
+        <p:nvSpPr>
+          <p:cNvPr id="33" name="ZoneTexte 32">
+            <a:extLst>
+              <a:ext uri="{FF2B5EF4-FFF2-40B4-BE49-F238E27FC236}">
+                <a16:creationId xmlns:a16="http://schemas.microsoft.com/office/drawing/2014/main" id="{B3DF9BCA-9EC5-456B-A9C9-4C30A8B4ECE9}"/>
+              </a:ext>
+            </a:extLst>
+          </p:cNvPr>
+          <p:cNvSpPr txBox="1"/>
+          <p:nvPr/>
+        </p:nvSpPr>
+        <p:spPr>
+          <a:xfrm>
+            <a:off x="557002" y="3239810"/>
+            <a:ext cx="2232837" cy="369332"/>
+          </a:xfrm>
+          <a:prstGeom prst="rect">
+            <a:avLst/>
+          </a:prstGeom>
+          <a:noFill/>
+        </p:spPr>
+        <p:txBody>
+          <a:bodyPr wrap="square" rtlCol="0">
+            <a:spAutoFit/>
+          </a:bodyPr>
+          <a:lstStyle/>
+          <a:p>
+            <a:r>
+              <a:rPr lang="fr-FR" dirty="0"/>
+              <a:t>Loop</a:t>
+            </a:r>
+          </a:p>
+        </p:txBody>
+      </p:sp>
+      <p:cxnSp>
+        <p:nvCxnSpPr>
+          <p:cNvPr id="38" name="Connecteur : en angle 37">
+            <a:extLst>
+              <a:ext uri="{FF2B5EF4-FFF2-40B4-BE49-F238E27FC236}">
+                <a16:creationId xmlns:a16="http://schemas.microsoft.com/office/drawing/2014/main" id="{7BFA27F1-06B4-4C0D-BBFE-094ED84E7905}"/>
+              </a:ext>
+            </a:extLst>
+          </p:cNvPr>
+          <p:cNvCxnSpPr>
+            <a:cxnSpLocks/>
+            <a:stCxn id="6" idx="2"/>
+            <a:endCxn id="32" idx="2"/>
+          </p:cNvCxnSpPr>
+          <p:nvPr/>
+        </p:nvCxnSpPr>
+        <p:spPr>
+          <a:xfrm rot="5400000">
+            <a:off x="3460170" y="5331422"/>
+            <a:ext cx="792486" cy="1513581"/>
+          </a:xfrm>
+          <a:prstGeom prst="bentConnector3">
+            <a:avLst>
+              <a:gd name="adj1" fmla="val 46746"/>
+            </a:avLst>
+          </a:prstGeom>
+          <a:ln w="38100">
+            <a:solidFill>
+              <a:schemeClr val="tx1"/>
+            </a:solidFill>
+            <a:tailEnd type="triangle"/>
+          </a:ln>
+        </p:spPr>
+        <p:style>
+          <a:lnRef idx="1">
+            <a:schemeClr val="accent1"/>
+          </a:lnRef>
+          <a:fillRef idx="0">
+            <a:schemeClr val="accent1"/>
+          </a:fillRef>
+          <a:effectRef idx="0">
+            <a:schemeClr val="accent1"/>
+          </a:effectRef>
+          <a:fontRef idx="minor">
+            <a:schemeClr val="tx1"/>
+          </a:fontRef>
+        </p:style>
+      </p:cxnSp>
+      <p:cxnSp>
+        <p:nvCxnSpPr>
+          <p:cNvPr id="42" name="Connecteur : en angle 41">
+            <a:extLst>
+              <a:ext uri="{FF2B5EF4-FFF2-40B4-BE49-F238E27FC236}">
+                <a16:creationId xmlns:a16="http://schemas.microsoft.com/office/drawing/2014/main" id="{6465DDAC-9C2C-486E-9E43-119DA2DCD80E}"/>
+              </a:ext>
+            </a:extLst>
+          </p:cNvPr>
+          <p:cNvCxnSpPr>
+            <a:cxnSpLocks/>
+          </p:cNvCxnSpPr>
+          <p:nvPr/>
+        </p:nvCxnSpPr>
+        <p:spPr>
+          <a:xfrm flipH="1">
+            <a:off x="3099622" y="3871638"/>
+            <a:ext cx="2357216" cy="2612818"/>
+          </a:xfrm>
+          <a:prstGeom prst="bentConnector4">
+            <a:avLst>
+              <a:gd name="adj1" fmla="val -6546"/>
+              <a:gd name="adj2" fmla="val 83882"/>
+            </a:avLst>
+          </a:prstGeom>
+          <a:ln w="38100">
+            <a:solidFill>
+              <a:schemeClr val="tx1"/>
+            </a:solidFill>
+            <a:tailEnd type="triangle"/>
+          </a:ln>
+        </p:spPr>
+        <p:style>
+          <a:lnRef idx="1">
+            <a:schemeClr val="accent1"/>
+          </a:lnRef>
+          <a:fillRef idx="0">
+            <a:schemeClr val="accent1"/>
+          </a:fillRef>
+          <a:effectRef idx="0">
+            <a:schemeClr val="accent1"/>
+          </a:effectRef>
+          <a:fontRef idx="minor">
+            <a:schemeClr val="tx1"/>
+          </a:fontRef>
+        </p:style>
+      </p:cxnSp>
+      <p:cxnSp>
+        <p:nvCxnSpPr>
+          <p:cNvPr id="48" name="Connecteur : en angle 47">
+            <a:extLst>
+              <a:ext uri="{FF2B5EF4-FFF2-40B4-BE49-F238E27FC236}">
+                <a16:creationId xmlns:a16="http://schemas.microsoft.com/office/drawing/2014/main" id="{2E3DDA7B-9B59-42AF-A16C-664F5E7A0B87}"/>
+              </a:ext>
+            </a:extLst>
+          </p:cNvPr>
+          <p:cNvCxnSpPr>
+            <a:cxnSpLocks/>
+            <a:stCxn id="9" idx="2"/>
+            <a:endCxn id="32" idx="2"/>
+          </p:cNvCxnSpPr>
+          <p:nvPr/>
+        </p:nvCxnSpPr>
+        <p:spPr>
+          <a:xfrm rot="16200000" flipH="1">
+            <a:off x="2277091" y="5661923"/>
+            <a:ext cx="683593" cy="961470"/>
+          </a:xfrm>
+          <a:prstGeom prst="bentConnector3">
+            <a:avLst>
+              <a:gd name="adj1" fmla="val 37994"/>
+            </a:avLst>
+          </a:prstGeom>
+          <a:ln w="38100">
+            <a:solidFill>
+              <a:schemeClr val="tx1"/>
+            </a:solidFill>
+            <a:tailEnd type="triangle"/>
+          </a:ln>
+        </p:spPr>
+        <p:style>
+          <a:lnRef idx="1">
+            <a:schemeClr val="accent1"/>
+          </a:lnRef>
+          <a:fillRef idx="0">
+            <a:schemeClr val="accent1"/>
+          </a:fillRef>
+          <a:effectRef idx="0">
+            <a:schemeClr val="accent1"/>
+          </a:effectRef>
+          <a:fontRef idx="minor">
+            <a:schemeClr val="tx1"/>
+          </a:fontRef>
+        </p:style>
+      </p:cxnSp>
+      <p:sp>
+        <p:nvSpPr>
+          <p:cNvPr id="58" name="ZoneTexte 57">
+            <a:extLst>
+              <a:ext uri="{FF2B5EF4-FFF2-40B4-BE49-F238E27FC236}">
+                <a16:creationId xmlns:a16="http://schemas.microsoft.com/office/drawing/2014/main" id="{B769038C-F7D4-43DB-9E98-655B1851D7F5}"/>
+              </a:ext>
+            </a:extLst>
+          </p:cNvPr>
+          <p:cNvSpPr txBox="1"/>
+          <p:nvPr/>
+        </p:nvSpPr>
+        <p:spPr>
+          <a:xfrm>
+            <a:off x="3170839" y="3524093"/>
+            <a:ext cx="540931" cy="369332"/>
+          </a:xfrm>
+          <a:prstGeom prst="rect">
+            <a:avLst/>
+          </a:prstGeom>
+          <a:noFill/>
+        </p:spPr>
+        <p:txBody>
+          <a:bodyPr wrap="square" rtlCol="0">
+            <a:spAutoFit/>
+          </a:bodyPr>
+          <a:lstStyle/>
+          <a:p>
+            <a:r>
+              <a:rPr lang="fr-FR" dirty="0"/>
+              <a:t>Oui</a:t>
+            </a:r>
+          </a:p>
+        </p:txBody>
+      </p:sp>
+      <p:sp>
+        <p:nvSpPr>
+          <p:cNvPr id="59" name="ZoneTexte 58">
+            <a:extLst>
+              <a:ext uri="{FF2B5EF4-FFF2-40B4-BE49-F238E27FC236}">
+                <a16:creationId xmlns:a16="http://schemas.microsoft.com/office/drawing/2014/main" id="{60AB9A1F-1616-4F59-9943-A4DB8451BFD8}"/>
+              </a:ext>
+            </a:extLst>
+          </p:cNvPr>
+          <p:cNvSpPr txBox="1"/>
+          <p:nvPr/>
+        </p:nvSpPr>
+        <p:spPr>
+          <a:xfrm>
+            <a:off x="3220627" y="4895093"/>
+            <a:ext cx="540931" cy="369332"/>
+          </a:xfrm>
+          <a:prstGeom prst="rect">
+            <a:avLst/>
+          </a:prstGeom>
+          <a:noFill/>
+        </p:spPr>
+        <p:txBody>
+          <a:bodyPr wrap="square" rtlCol="0">
+            <a:spAutoFit/>
+          </a:bodyPr>
+          <a:lstStyle/>
+          <a:p>
+            <a:r>
+              <a:rPr lang="fr-FR" dirty="0"/>
+              <a:t>Oui</a:t>
+            </a:r>
+          </a:p>
+        </p:txBody>
+      </p:sp>
+      <p:sp>
+        <p:nvSpPr>
+          <p:cNvPr id="60" name="ZoneTexte 59">
+            <a:extLst>
+              <a:ext uri="{FF2B5EF4-FFF2-40B4-BE49-F238E27FC236}">
+                <a16:creationId xmlns:a16="http://schemas.microsoft.com/office/drawing/2014/main" id="{CA08CB04-C0F7-43F6-B559-3D230800BF1B}"/>
+              </a:ext>
+            </a:extLst>
+          </p:cNvPr>
+          <p:cNvSpPr txBox="1"/>
+          <p:nvPr/>
+        </p:nvSpPr>
+        <p:spPr>
+          <a:xfrm>
+            <a:off x="2138150" y="4354690"/>
+            <a:ext cx="625277" cy="369332"/>
+          </a:xfrm>
+          <a:prstGeom prst="rect">
+            <a:avLst/>
+          </a:prstGeom>
+          <a:noFill/>
+        </p:spPr>
+        <p:txBody>
+          <a:bodyPr wrap="square" rtlCol="0">
+            <a:spAutoFit/>
+          </a:bodyPr>
+          <a:lstStyle/>
+          <a:p>
+            <a:r>
+              <a:rPr lang="fr-FR" dirty="0"/>
+              <a:t>Non</a:t>
+            </a:r>
+          </a:p>
+        </p:txBody>
+      </p:sp>
+      <p:sp>
+        <p:nvSpPr>
+          <p:cNvPr id="61" name="ZoneTexte 60">
+            <a:extLst>
+              <a:ext uri="{FF2B5EF4-FFF2-40B4-BE49-F238E27FC236}">
+                <a16:creationId xmlns:a16="http://schemas.microsoft.com/office/drawing/2014/main" id="{1BD40F9D-8368-4D14-AD83-1010E48CE290}"/>
+              </a:ext>
+            </a:extLst>
+          </p:cNvPr>
+          <p:cNvSpPr txBox="1"/>
+          <p:nvPr/>
+        </p:nvSpPr>
+        <p:spPr>
+          <a:xfrm>
+            <a:off x="2138149" y="5691969"/>
+            <a:ext cx="625277" cy="369332"/>
+          </a:xfrm>
+          <a:prstGeom prst="rect">
+            <a:avLst/>
+          </a:prstGeom>
+          <a:noFill/>
+        </p:spPr>
+        <p:txBody>
+          <a:bodyPr wrap="square" rtlCol="0">
+            <a:spAutoFit/>
+          </a:bodyPr>
+          <a:lstStyle/>
+          <a:p>
+            <a:r>
+              <a:rPr lang="fr-FR" dirty="0"/>
+              <a:t>Non</a:t>
+            </a:r>
+          </a:p>
+        </p:txBody>
+      </p:sp>
+      <p:pic>
+        <p:nvPicPr>
+          <p:cNvPr id="64" name="Image 63" descr="Une image contenant texte, équipement électronique, circuit&#10;&#10;Description générée automatiquement">
+            <a:extLst>
+              <a:ext uri="{FF2B5EF4-FFF2-40B4-BE49-F238E27FC236}">
+                <a16:creationId xmlns:a16="http://schemas.microsoft.com/office/drawing/2014/main" id="{31B20C20-F9A7-481C-8ADF-12D66F8EFAD9}"/>
+              </a:ext>
+            </a:extLst>
+          </p:cNvPr>
+          <p:cNvPicPr>
+            <a:picLocks noChangeAspect="1"/>
+          </p:cNvPicPr>
+          <p:nvPr/>
+        </p:nvPicPr>
+        <p:blipFill>
+          <a:blip r:embed="rId2">
+            <a:extLst>
+              <a:ext uri="{28A0092B-C50C-407E-A947-70E740481C1C}">
+                <a14:useLocalDpi xmlns:a14="http://schemas.microsoft.com/office/drawing/2010/main" val="0"/>
+              </a:ext>
+            </a:extLst>
+          </a:blip>
+          <a:srcRect/>
+          <a:stretch>
+            <a:fillRect/>
+          </a:stretch>
+        </p:blipFill>
+        <p:spPr bwMode="auto">
+          <a:xfrm>
+            <a:off x="6003783" y="3599352"/>
+            <a:ext cx="5760720" cy="2807970"/>
+          </a:xfrm>
+          <a:prstGeom prst="rect">
+            <a:avLst/>
+          </a:prstGeom>
+          <a:noFill/>
+          <a:ln>
+            <a:noFill/>
+          </a:ln>
+        </p:spPr>
+      </p:pic>
+      <p:pic>
+        <p:nvPicPr>
+          <p:cNvPr id="65" name="Image 64">
+            <a:extLst>
+              <a:ext uri="{FF2B5EF4-FFF2-40B4-BE49-F238E27FC236}">
+                <a16:creationId xmlns:a16="http://schemas.microsoft.com/office/drawing/2014/main" id="{BF7544FB-25D8-46E2-9BD4-2FDF4AB62C62}"/>
+              </a:ext>
+            </a:extLst>
+          </p:cNvPr>
+          <p:cNvPicPr>
+            <a:picLocks noChangeAspect="1"/>
+          </p:cNvPicPr>
+          <p:nvPr/>
+        </p:nvPicPr>
+        <p:blipFill>
+          <a:blip r:embed="rId3"/>
+          <a:stretch>
+            <a:fillRect/>
+          </a:stretch>
+        </p:blipFill>
+        <p:spPr>
+          <a:xfrm>
+            <a:off x="6922835" y="161505"/>
+            <a:ext cx="3633660" cy="3120673"/>
+          </a:xfrm>
+          <a:prstGeom prst="rect">
+            <a:avLst/>
+          </a:prstGeom>
+        </p:spPr>
+      </p:pic>
+    </p:spTree>
+    <p:extLst>
+      <p:ext uri="{BB962C8B-B14F-4D97-AF65-F5344CB8AC3E}">
+        <p14:creationId xmlns:p14="http://schemas.microsoft.com/office/powerpoint/2010/main" val="4255205261"/>
+      </p:ext>
+    </p:extLst>
+  </p:cSld>
+  <p:clrMapOvr>
+    <a:masterClrMapping/>
+  </p:clrMapOvr>
+</p:sld>
+</file>
+
 <file path=ppt/theme/theme1.xml><?xml version="1.0" encoding="utf-8"?>
 <a:theme xmlns:a="http://schemas.openxmlformats.org/drawingml/2006/main" name="GestaltVTI">
   <a:themeElements>
